--- a/Workshop/Presentasi/Hardware Design - Communication Interface.pptx
+++ b/Workshop/Presentasi/Hardware Design - Communication Interface.pptx
@@ -227,7 +227,7 @@
             <a:fld id="{7268BF31-A77F-443C-AB26-8730B613B8C5}" type="datetimeFigureOut">
               <a:rPr lang="id-ID" smtClean="0"/>
               <a:pPr/>
-              <a:t>07/11/2014</a:t>
+              <a:t>18/11/2014</a:t>
             </a:fld>
             <a:endParaRPr lang="id-ID" dirty="0"/>
           </a:p>
@@ -4567,7 +4567,15 @@
             <a:pPr lvl="1"/>
             <a:r>
               <a:rPr lang="en-US" dirty="0" smtClean="0"/>
-              <a:t>A synchronous serial communication port</a:t>
+              <a:t>A </a:t>
+            </a:r>
+            <a:r>
+              <a:rPr lang="en-US" i="1" u="sng" dirty="0" smtClean="0"/>
+              <a:t>synchronous serial</a:t>
+            </a:r>
+            <a:r>
+              <a:rPr lang="en-US" dirty="0" smtClean="0"/>
+              <a:t> communication port</a:t>
             </a:r>
           </a:p>
           <a:p>
@@ -5010,6 +5018,231 @@
   <p:clrMapOvr>
     <a:masterClrMapping/>
   </p:clrMapOvr>
+  <p:timing>
+    <p:tnLst>
+      <p:par>
+        <p:cTn id="1" dur="indefinite" restart="never" nodeType="tmRoot">
+          <p:childTnLst>
+            <p:seq concurrent="1" nextAc="seek">
+              <p:cTn id="2" dur="indefinite" nodeType="mainSeq">
+                <p:childTnLst>
+                  <p:par>
+                    <p:cTn id="3" fill="hold">
+                      <p:stCondLst>
+                        <p:cond delay="indefinite"/>
+                      </p:stCondLst>
+                      <p:childTnLst>
+                        <p:par>
+                          <p:cTn id="4" fill="hold">
+                            <p:stCondLst>
+                              <p:cond delay="0"/>
+                            </p:stCondLst>
+                            <p:childTnLst>
+                              <p:par>
+                                <p:cTn id="5" presetID="1" presetClass="entr" presetSubtype="0" fill="hold" grpId="0" nodeType="clickEffect">
+                                  <p:stCondLst>
+                                    <p:cond delay="0"/>
+                                  </p:stCondLst>
+                                  <p:childTnLst>
+                                    <p:set>
+                                      <p:cBhvr>
+                                        <p:cTn id="6" dur="1" fill="hold">
+                                          <p:stCondLst>
+                                            <p:cond delay="0"/>
+                                          </p:stCondLst>
+                                        </p:cTn>
+                                        <p:tgtEl>
+                                          <p:spTgt spid="3">
+                                            <p:txEl>
+                                              <p:pRg st="0" end="0"/>
+                                            </p:txEl>
+                                          </p:spTgt>
+                                        </p:tgtEl>
+                                        <p:attrNameLst>
+                                          <p:attrName>style.visibility</p:attrName>
+                                        </p:attrNameLst>
+                                      </p:cBhvr>
+                                      <p:to>
+                                        <p:strVal val="visible"/>
+                                      </p:to>
+                                    </p:set>
+                                  </p:childTnLst>
+                                </p:cTn>
+                              </p:par>
+                            </p:childTnLst>
+                          </p:cTn>
+                        </p:par>
+                      </p:childTnLst>
+                    </p:cTn>
+                  </p:par>
+                  <p:par>
+                    <p:cTn id="7" fill="hold">
+                      <p:stCondLst>
+                        <p:cond delay="indefinite"/>
+                      </p:stCondLst>
+                      <p:childTnLst>
+                        <p:par>
+                          <p:cTn id="8" fill="hold">
+                            <p:stCondLst>
+                              <p:cond delay="0"/>
+                            </p:stCondLst>
+                            <p:childTnLst>
+                              <p:par>
+                                <p:cTn id="9" presetID="1" presetClass="entr" presetSubtype="0" fill="hold" grpId="0" nodeType="clickEffect">
+                                  <p:stCondLst>
+                                    <p:cond delay="0"/>
+                                  </p:stCondLst>
+                                  <p:childTnLst>
+                                    <p:set>
+                                      <p:cBhvr>
+                                        <p:cTn id="10" dur="1" fill="hold">
+                                          <p:stCondLst>
+                                            <p:cond delay="0"/>
+                                          </p:stCondLst>
+                                        </p:cTn>
+                                        <p:tgtEl>
+                                          <p:spTgt spid="3">
+                                            <p:txEl>
+                                              <p:pRg st="1" end="1"/>
+                                            </p:txEl>
+                                          </p:spTgt>
+                                        </p:tgtEl>
+                                        <p:attrNameLst>
+                                          <p:attrName>style.visibility</p:attrName>
+                                        </p:attrNameLst>
+                                      </p:cBhvr>
+                                      <p:to>
+                                        <p:strVal val="visible"/>
+                                      </p:to>
+                                    </p:set>
+                                  </p:childTnLst>
+                                </p:cTn>
+                              </p:par>
+                            </p:childTnLst>
+                          </p:cTn>
+                        </p:par>
+                      </p:childTnLst>
+                    </p:cTn>
+                  </p:par>
+                  <p:par>
+                    <p:cTn id="11" fill="hold">
+                      <p:stCondLst>
+                        <p:cond delay="indefinite"/>
+                      </p:stCondLst>
+                      <p:childTnLst>
+                        <p:par>
+                          <p:cTn id="12" fill="hold">
+                            <p:stCondLst>
+                              <p:cond delay="0"/>
+                            </p:stCondLst>
+                            <p:childTnLst>
+                              <p:par>
+                                <p:cTn id="13" presetID="1" presetClass="entr" presetSubtype="0" fill="hold" grpId="0" nodeType="clickEffect">
+                                  <p:stCondLst>
+                                    <p:cond delay="0"/>
+                                  </p:stCondLst>
+                                  <p:childTnLst>
+                                    <p:set>
+                                      <p:cBhvr>
+                                        <p:cTn id="14" dur="1" fill="hold">
+                                          <p:stCondLst>
+                                            <p:cond delay="0"/>
+                                          </p:stCondLst>
+                                        </p:cTn>
+                                        <p:tgtEl>
+                                          <p:spTgt spid="3">
+                                            <p:txEl>
+                                              <p:pRg st="2" end="2"/>
+                                            </p:txEl>
+                                          </p:spTgt>
+                                        </p:tgtEl>
+                                        <p:attrNameLst>
+                                          <p:attrName>style.visibility</p:attrName>
+                                        </p:attrNameLst>
+                                      </p:cBhvr>
+                                      <p:to>
+                                        <p:strVal val="visible"/>
+                                      </p:to>
+                                    </p:set>
+                                  </p:childTnLst>
+                                </p:cTn>
+                              </p:par>
+                            </p:childTnLst>
+                          </p:cTn>
+                        </p:par>
+                      </p:childTnLst>
+                    </p:cTn>
+                  </p:par>
+                  <p:par>
+                    <p:cTn id="15" fill="hold">
+                      <p:stCondLst>
+                        <p:cond delay="indefinite"/>
+                      </p:stCondLst>
+                      <p:childTnLst>
+                        <p:par>
+                          <p:cTn id="16" fill="hold">
+                            <p:stCondLst>
+                              <p:cond delay="0"/>
+                            </p:stCondLst>
+                            <p:childTnLst>
+                              <p:par>
+                                <p:cTn id="17" presetID="1" presetClass="entr" presetSubtype="0" fill="hold" nodeType="clickEffect">
+                                  <p:stCondLst>
+                                    <p:cond delay="0"/>
+                                  </p:stCondLst>
+                                  <p:childTnLst>
+                                    <p:set>
+                                      <p:cBhvr>
+                                        <p:cTn id="18" dur="1" fill="hold">
+                                          <p:stCondLst>
+                                            <p:cond delay="0"/>
+                                          </p:stCondLst>
+                                        </p:cTn>
+                                        <p:tgtEl>
+                                          <p:spTgt spid="7"/>
+                                        </p:tgtEl>
+                                        <p:attrNameLst>
+                                          <p:attrName>style.visibility</p:attrName>
+                                        </p:attrNameLst>
+                                      </p:cBhvr>
+                                      <p:to>
+                                        <p:strVal val="visible"/>
+                                      </p:to>
+                                    </p:set>
+                                  </p:childTnLst>
+                                </p:cTn>
+                              </p:par>
+                            </p:childTnLst>
+                          </p:cTn>
+                        </p:par>
+                      </p:childTnLst>
+                    </p:cTn>
+                  </p:par>
+                </p:childTnLst>
+              </p:cTn>
+              <p:prevCondLst>
+                <p:cond evt="onPrev" delay="0">
+                  <p:tgtEl>
+                    <p:sldTgt/>
+                  </p:tgtEl>
+                </p:cond>
+              </p:prevCondLst>
+              <p:nextCondLst>
+                <p:cond evt="onNext" delay="0">
+                  <p:tgtEl>
+                    <p:sldTgt/>
+                  </p:tgtEl>
+                </p:cond>
+              </p:nextCondLst>
+            </p:seq>
+          </p:childTnLst>
+        </p:cTn>
+      </p:par>
+    </p:tnLst>
+    <p:bldLst>
+      <p:bldP spid="3" grpId="0" build="p"/>
+    </p:bldLst>
+  </p:timing>
 </p:sld>
 </file>
 
@@ -5443,6 +5676,280 @@
   <p:clrMapOvr>
     <a:masterClrMapping/>
   </p:clrMapOvr>
+  <p:timing>
+    <p:tnLst>
+      <p:par>
+        <p:cTn id="1" dur="indefinite" restart="never" nodeType="tmRoot">
+          <p:childTnLst>
+            <p:seq concurrent="1" nextAc="seek">
+              <p:cTn id="2" dur="indefinite" nodeType="mainSeq">
+                <p:childTnLst>
+                  <p:par>
+                    <p:cTn id="3" fill="hold">
+                      <p:stCondLst>
+                        <p:cond delay="indefinite"/>
+                      </p:stCondLst>
+                      <p:childTnLst>
+                        <p:par>
+                          <p:cTn id="4" fill="hold">
+                            <p:stCondLst>
+                              <p:cond delay="0"/>
+                            </p:stCondLst>
+                            <p:childTnLst>
+                              <p:par>
+                                <p:cTn id="5" presetID="1" presetClass="entr" presetSubtype="0" fill="hold" grpId="0" nodeType="clickEffect">
+                                  <p:stCondLst>
+                                    <p:cond delay="0"/>
+                                  </p:stCondLst>
+                                  <p:childTnLst>
+                                    <p:set>
+                                      <p:cBhvr>
+                                        <p:cTn id="6" dur="1" fill="hold">
+                                          <p:stCondLst>
+                                            <p:cond delay="0"/>
+                                          </p:stCondLst>
+                                        </p:cTn>
+                                        <p:tgtEl>
+                                          <p:spTgt spid="3">
+                                            <p:txEl>
+                                              <p:pRg st="0" end="0"/>
+                                            </p:txEl>
+                                          </p:spTgt>
+                                        </p:tgtEl>
+                                        <p:attrNameLst>
+                                          <p:attrName>style.visibility</p:attrName>
+                                        </p:attrNameLst>
+                                      </p:cBhvr>
+                                      <p:to>
+                                        <p:strVal val="visible"/>
+                                      </p:to>
+                                    </p:set>
+                                  </p:childTnLst>
+                                </p:cTn>
+                              </p:par>
+                            </p:childTnLst>
+                          </p:cTn>
+                        </p:par>
+                      </p:childTnLst>
+                    </p:cTn>
+                  </p:par>
+                  <p:par>
+                    <p:cTn id="7" fill="hold">
+                      <p:stCondLst>
+                        <p:cond delay="indefinite"/>
+                      </p:stCondLst>
+                      <p:childTnLst>
+                        <p:par>
+                          <p:cTn id="8" fill="hold">
+                            <p:stCondLst>
+                              <p:cond delay="0"/>
+                            </p:stCondLst>
+                            <p:childTnLst>
+                              <p:par>
+                                <p:cTn id="9" presetID="1" presetClass="entr" presetSubtype="0" fill="hold" grpId="0" nodeType="clickEffect">
+                                  <p:stCondLst>
+                                    <p:cond delay="0"/>
+                                  </p:stCondLst>
+                                  <p:childTnLst>
+                                    <p:set>
+                                      <p:cBhvr>
+                                        <p:cTn id="10" dur="1" fill="hold">
+                                          <p:stCondLst>
+                                            <p:cond delay="0"/>
+                                          </p:stCondLst>
+                                        </p:cTn>
+                                        <p:tgtEl>
+                                          <p:spTgt spid="3">
+                                            <p:txEl>
+                                              <p:pRg st="1" end="1"/>
+                                            </p:txEl>
+                                          </p:spTgt>
+                                        </p:tgtEl>
+                                        <p:attrNameLst>
+                                          <p:attrName>style.visibility</p:attrName>
+                                        </p:attrNameLst>
+                                      </p:cBhvr>
+                                      <p:to>
+                                        <p:strVal val="visible"/>
+                                      </p:to>
+                                    </p:set>
+                                  </p:childTnLst>
+                                </p:cTn>
+                              </p:par>
+                            </p:childTnLst>
+                          </p:cTn>
+                        </p:par>
+                      </p:childTnLst>
+                    </p:cTn>
+                  </p:par>
+                  <p:par>
+                    <p:cTn id="11" fill="hold">
+                      <p:stCondLst>
+                        <p:cond delay="indefinite"/>
+                      </p:stCondLst>
+                      <p:childTnLst>
+                        <p:par>
+                          <p:cTn id="12" fill="hold">
+                            <p:stCondLst>
+                              <p:cond delay="0"/>
+                            </p:stCondLst>
+                            <p:childTnLst>
+                              <p:par>
+                                <p:cTn id="13" presetID="1" presetClass="entr" presetSubtype="0" fill="hold" grpId="0" nodeType="clickEffect">
+                                  <p:stCondLst>
+                                    <p:cond delay="0"/>
+                                  </p:stCondLst>
+                                  <p:childTnLst>
+                                    <p:set>
+                                      <p:cBhvr>
+                                        <p:cTn id="14" dur="1" fill="hold">
+                                          <p:stCondLst>
+                                            <p:cond delay="0"/>
+                                          </p:stCondLst>
+                                        </p:cTn>
+                                        <p:tgtEl>
+                                          <p:spTgt spid="3">
+                                            <p:txEl>
+                                              <p:pRg st="2" end="2"/>
+                                            </p:txEl>
+                                          </p:spTgt>
+                                        </p:tgtEl>
+                                        <p:attrNameLst>
+                                          <p:attrName>style.visibility</p:attrName>
+                                        </p:attrNameLst>
+                                      </p:cBhvr>
+                                      <p:to>
+                                        <p:strVal val="visible"/>
+                                      </p:to>
+                                    </p:set>
+                                  </p:childTnLst>
+                                </p:cTn>
+                              </p:par>
+                            </p:childTnLst>
+                          </p:cTn>
+                        </p:par>
+                      </p:childTnLst>
+                    </p:cTn>
+                  </p:par>
+                  <p:par>
+                    <p:cTn id="15" fill="hold">
+                      <p:stCondLst>
+                        <p:cond delay="indefinite"/>
+                      </p:stCondLst>
+                      <p:childTnLst>
+                        <p:par>
+                          <p:cTn id="16" fill="hold">
+                            <p:stCondLst>
+                              <p:cond delay="0"/>
+                            </p:stCondLst>
+                            <p:childTnLst>
+                              <p:par>
+                                <p:cTn id="17" presetID="1" presetClass="entr" presetSubtype="0" fill="hold" grpId="0" nodeType="clickEffect">
+                                  <p:stCondLst>
+                                    <p:cond delay="0"/>
+                                  </p:stCondLst>
+                                  <p:childTnLst>
+                                    <p:set>
+                                      <p:cBhvr>
+                                        <p:cTn id="18" dur="1" fill="hold">
+                                          <p:stCondLst>
+                                            <p:cond delay="0"/>
+                                          </p:stCondLst>
+                                        </p:cTn>
+                                        <p:tgtEl>
+                                          <p:spTgt spid="3">
+                                            <p:txEl>
+                                              <p:pRg st="3" end="3"/>
+                                            </p:txEl>
+                                          </p:spTgt>
+                                        </p:tgtEl>
+                                        <p:attrNameLst>
+                                          <p:attrName>style.visibility</p:attrName>
+                                        </p:attrNameLst>
+                                      </p:cBhvr>
+                                      <p:to>
+                                        <p:strVal val="visible"/>
+                                      </p:to>
+                                    </p:set>
+                                  </p:childTnLst>
+                                </p:cTn>
+                              </p:par>
+                            </p:childTnLst>
+                          </p:cTn>
+                        </p:par>
+                      </p:childTnLst>
+                    </p:cTn>
+                  </p:par>
+                  <p:par>
+                    <p:cTn id="19" fill="hold">
+                      <p:stCondLst>
+                        <p:cond delay="indefinite"/>
+                      </p:stCondLst>
+                      <p:childTnLst>
+                        <p:par>
+                          <p:cTn id="20" fill="hold">
+                            <p:stCondLst>
+                              <p:cond delay="0"/>
+                            </p:stCondLst>
+                            <p:childTnLst>
+                              <p:par>
+                                <p:cTn id="21" presetID="1" presetClass="entr" presetSubtype="0" fill="hold" nodeType="clickEffect">
+                                  <p:stCondLst>
+                                    <p:cond delay="0"/>
+                                  </p:stCondLst>
+                                  <p:childTnLst>
+                                    <p:set>
+                                      <p:cBhvr>
+                                        <p:cTn id="22" dur="1" fill="hold">
+                                          <p:stCondLst>
+                                            <p:cond delay="0"/>
+                                          </p:stCondLst>
+                                        </p:cTn>
+                                        <p:tgtEl>
+                                          <p:spTgt spid="7"/>
+                                        </p:tgtEl>
+                                        <p:attrNameLst>
+                                          <p:attrName>style.visibility</p:attrName>
+                                        </p:attrNameLst>
+                                      </p:cBhvr>
+                                      <p:to>
+                                        <p:strVal val="visible"/>
+                                      </p:to>
+                                    </p:set>
+                                  </p:childTnLst>
+                                </p:cTn>
+                              </p:par>
+                            </p:childTnLst>
+                          </p:cTn>
+                        </p:par>
+                      </p:childTnLst>
+                    </p:cTn>
+                  </p:par>
+                </p:childTnLst>
+              </p:cTn>
+              <p:prevCondLst>
+                <p:cond evt="onPrev" delay="0">
+                  <p:tgtEl>
+                    <p:sldTgt/>
+                  </p:tgtEl>
+                </p:cond>
+              </p:prevCondLst>
+              <p:nextCondLst>
+                <p:cond evt="onNext" delay="0">
+                  <p:tgtEl>
+                    <p:sldTgt/>
+                  </p:tgtEl>
+                </p:cond>
+              </p:nextCondLst>
+            </p:seq>
+          </p:childTnLst>
+        </p:cTn>
+      </p:par>
+    </p:tnLst>
+    <p:bldLst>
+      <p:bldP spid="3" grpId="0" build="p"/>
+    </p:bldLst>
+  </p:timing>
 </p:sld>
 </file>
 
@@ -5581,6 +6088,13 @@
   <p:clrMapOvr>
     <a:masterClrMapping/>
   </p:clrMapOvr>
+  <p:timing>
+    <p:tnLst>
+      <p:par>
+        <p:cTn id="1" dur="indefinite" restart="never" nodeType="tmRoot"/>
+      </p:par>
+    </p:tnLst>
+  </p:timing>
 </p:sld>
 </file>
 
@@ -5733,6 +6247,137 @@
   <p:clrMapOvr>
     <a:masterClrMapping/>
   </p:clrMapOvr>
+  <p:timing>
+    <p:tnLst>
+      <p:par>
+        <p:cTn id="1" dur="indefinite" restart="never" nodeType="tmRoot">
+          <p:childTnLst>
+            <p:seq concurrent="1" nextAc="seek">
+              <p:cTn id="2" dur="indefinite" nodeType="mainSeq">
+                <p:childTnLst>
+                  <p:par>
+                    <p:cTn id="3" fill="hold">
+                      <p:stCondLst>
+                        <p:cond delay="indefinite"/>
+                      </p:stCondLst>
+                      <p:childTnLst>
+                        <p:par>
+                          <p:cTn id="4" fill="hold">
+                            <p:stCondLst>
+                              <p:cond delay="0"/>
+                            </p:stCondLst>
+                            <p:childTnLst>
+                              <p:par>
+                                <p:cTn id="5" presetID="1" presetClass="entr" presetSubtype="0" fill="hold" grpId="0" nodeType="clickEffect">
+                                  <p:stCondLst>
+                                    <p:cond delay="0"/>
+                                  </p:stCondLst>
+                                  <p:childTnLst>
+                                    <p:set>
+                                      <p:cBhvr>
+                                        <p:cTn id="6" dur="1" fill="hold">
+                                          <p:stCondLst>
+                                            <p:cond delay="0"/>
+                                          </p:stCondLst>
+                                        </p:cTn>
+                                        <p:tgtEl>
+                                          <p:spTgt spid="8">
+                                            <p:txEl>
+                                              <p:pRg st="0" end="0"/>
+                                            </p:txEl>
+                                          </p:spTgt>
+                                        </p:tgtEl>
+                                        <p:attrNameLst>
+                                          <p:attrName>style.visibility</p:attrName>
+                                        </p:attrNameLst>
+                                      </p:cBhvr>
+                                      <p:to>
+                                        <p:strVal val="visible"/>
+                                      </p:to>
+                                    </p:set>
+                                  </p:childTnLst>
+                                </p:cTn>
+                              </p:par>
+                            </p:childTnLst>
+                          </p:cTn>
+                        </p:par>
+                      </p:childTnLst>
+                    </p:cTn>
+                  </p:par>
+                  <p:par>
+                    <p:cTn id="7" fill="hold">
+                      <p:stCondLst>
+                        <p:cond delay="indefinite"/>
+                      </p:stCondLst>
+                      <p:childTnLst>
+                        <p:par>
+                          <p:cTn id="8" fill="hold">
+                            <p:stCondLst>
+                              <p:cond delay="0"/>
+                            </p:stCondLst>
+                            <p:childTnLst>
+                              <p:par>
+                                <p:cTn id="9" presetID="1" presetClass="entr" presetSubtype="0" fill="hold" grpId="0" nodeType="clickEffect">
+                                  <p:stCondLst>
+                                    <p:cond delay="0"/>
+                                  </p:stCondLst>
+                                  <p:childTnLst>
+                                    <p:set>
+                                      <p:cBhvr>
+                                        <p:cTn id="10" dur="1" fill="hold">
+                                          <p:stCondLst>
+                                            <p:cond delay="0"/>
+                                          </p:stCondLst>
+                                        </p:cTn>
+                                        <p:tgtEl>
+                                          <p:spTgt spid="8">
+                                            <p:txEl>
+                                              <p:pRg st="1" end="1"/>
+                                            </p:txEl>
+                                          </p:spTgt>
+                                        </p:tgtEl>
+                                        <p:attrNameLst>
+                                          <p:attrName>style.visibility</p:attrName>
+                                        </p:attrNameLst>
+                                      </p:cBhvr>
+                                      <p:to>
+                                        <p:strVal val="visible"/>
+                                      </p:to>
+                                    </p:set>
+                                  </p:childTnLst>
+                                </p:cTn>
+                              </p:par>
+                            </p:childTnLst>
+                          </p:cTn>
+                        </p:par>
+                      </p:childTnLst>
+                    </p:cTn>
+                  </p:par>
+                </p:childTnLst>
+              </p:cTn>
+              <p:prevCondLst>
+                <p:cond evt="onPrev" delay="0">
+                  <p:tgtEl>
+                    <p:sldTgt/>
+                  </p:tgtEl>
+                </p:cond>
+              </p:prevCondLst>
+              <p:nextCondLst>
+                <p:cond evt="onNext" delay="0">
+                  <p:tgtEl>
+                    <p:sldTgt/>
+                  </p:tgtEl>
+                </p:cond>
+              </p:nextCondLst>
+            </p:seq>
+          </p:childTnLst>
+        </p:cTn>
+      </p:par>
+    </p:tnLst>
+    <p:bldLst>
+      <p:bldP spid="8" grpId="0" build="p"/>
+    </p:bldLst>
+  </p:timing>
 </p:sld>
 </file>
 
@@ -6513,6 +7158,81 @@
   <p:clrMapOvr>
     <a:masterClrMapping/>
   </p:clrMapOvr>
+  <p:timing>
+    <p:tnLst>
+      <p:par>
+        <p:cTn id="1" dur="indefinite" restart="never" nodeType="tmRoot">
+          <p:childTnLst>
+            <p:seq concurrent="1" nextAc="seek">
+              <p:cTn id="2" dur="indefinite" nodeType="mainSeq">
+                <p:childTnLst>
+                  <p:par>
+                    <p:cTn id="3" fill="hold">
+                      <p:stCondLst>
+                        <p:cond delay="indefinite"/>
+                      </p:stCondLst>
+                      <p:childTnLst>
+                        <p:par>
+                          <p:cTn id="4" fill="hold">
+                            <p:stCondLst>
+                              <p:cond delay="0"/>
+                            </p:stCondLst>
+                            <p:childTnLst>
+                              <p:par>
+                                <p:cTn id="5" presetID="1" presetClass="entr" presetSubtype="0" fill="hold" nodeType="clickEffect">
+                                  <p:stCondLst>
+                                    <p:cond delay="0"/>
+                                  </p:stCondLst>
+                                  <p:childTnLst>
+                                    <p:set>
+                                      <p:cBhvr>
+                                        <p:cTn id="6" dur="1" fill="hold">
+                                          <p:stCondLst>
+                                            <p:cond delay="0"/>
+                                          </p:stCondLst>
+                                        </p:cTn>
+                                        <p:tgtEl>
+                                          <p:spTgt spid="9"/>
+                                        </p:tgtEl>
+                                        <p:attrNameLst>
+                                          <p:attrName>style.visibility</p:attrName>
+                                        </p:attrNameLst>
+                                      </p:cBhvr>
+                                      <p:to>
+                                        <p:strVal val="visible"/>
+                                      </p:to>
+                                    </p:set>
+                                  </p:childTnLst>
+                                </p:cTn>
+                              </p:par>
+                            </p:childTnLst>
+                          </p:cTn>
+                        </p:par>
+                      </p:childTnLst>
+                    </p:cTn>
+                  </p:par>
+                </p:childTnLst>
+              </p:cTn>
+              <p:prevCondLst>
+                <p:cond evt="onPrev" delay="0">
+                  <p:tgtEl>
+                    <p:sldTgt/>
+                  </p:tgtEl>
+                </p:cond>
+              </p:prevCondLst>
+              <p:nextCondLst>
+                <p:cond evt="onNext" delay="0">
+                  <p:tgtEl>
+                    <p:sldTgt/>
+                  </p:tgtEl>
+                </p:cond>
+              </p:nextCondLst>
+            </p:seq>
+          </p:childTnLst>
+        </p:cTn>
+      </p:par>
+    </p:tnLst>
+  </p:timing>
 </p:sld>
 </file>
 
@@ -6711,9 +7431,276 @@
   <p:timing>
     <p:tnLst>
       <p:par>
-        <p:cTn id="1" dur="indefinite" restart="never" nodeType="tmRoot"/>
+        <p:cTn id="1" dur="indefinite" restart="never" nodeType="tmRoot">
+          <p:childTnLst>
+            <p:seq concurrent="1" nextAc="seek">
+              <p:cTn id="2" dur="indefinite" nodeType="mainSeq">
+                <p:childTnLst>
+                  <p:par>
+                    <p:cTn id="3" fill="hold">
+                      <p:stCondLst>
+                        <p:cond delay="indefinite"/>
+                      </p:stCondLst>
+                      <p:childTnLst>
+                        <p:par>
+                          <p:cTn id="4" fill="hold">
+                            <p:stCondLst>
+                              <p:cond delay="0"/>
+                            </p:stCondLst>
+                            <p:childTnLst>
+                              <p:par>
+                                <p:cTn id="5" presetID="1" presetClass="entr" presetSubtype="0" fill="hold" grpId="0" nodeType="clickEffect">
+                                  <p:stCondLst>
+                                    <p:cond delay="0"/>
+                                  </p:stCondLst>
+                                  <p:childTnLst>
+                                    <p:set>
+                                      <p:cBhvr>
+                                        <p:cTn id="6" dur="1" fill="hold">
+                                          <p:stCondLst>
+                                            <p:cond delay="0"/>
+                                          </p:stCondLst>
+                                        </p:cTn>
+                                        <p:tgtEl>
+                                          <p:spTgt spid="8">
+                                            <p:txEl>
+                                              <p:pRg st="0" end="0"/>
+                                            </p:txEl>
+                                          </p:spTgt>
+                                        </p:tgtEl>
+                                        <p:attrNameLst>
+                                          <p:attrName>style.visibility</p:attrName>
+                                        </p:attrNameLst>
+                                      </p:cBhvr>
+                                      <p:to>
+                                        <p:strVal val="visible"/>
+                                      </p:to>
+                                    </p:set>
+                                  </p:childTnLst>
+                                </p:cTn>
+                              </p:par>
+                            </p:childTnLst>
+                          </p:cTn>
+                        </p:par>
+                      </p:childTnLst>
+                    </p:cTn>
+                  </p:par>
+                  <p:par>
+                    <p:cTn id="7" fill="hold">
+                      <p:stCondLst>
+                        <p:cond delay="indefinite"/>
+                      </p:stCondLst>
+                      <p:childTnLst>
+                        <p:par>
+                          <p:cTn id="8" fill="hold">
+                            <p:stCondLst>
+                              <p:cond delay="0"/>
+                            </p:stCondLst>
+                            <p:childTnLst>
+                              <p:par>
+                                <p:cTn id="9" presetID="1" presetClass="entr" presetSubtype="0" fill="hold" grpId="0" nodeType="clickEffect">
+                                  <p:stCondLst>
+                                    <p:cond delay="0"/>
+                                  </p:stCondLst>
+                                  <p:childTnLst>
+                                    <p:set>
+                                      <p:cBhvr>
+                                        <p:cTn id="10" dur="1" fill="hold">
+                                          <p:stCondLst>
+                                            <p:cond delay="0"/>
+                                          </p:stCondLst>
+                                        </p:cTn>
+                                        <p:tgtEl>
+                                          <p:spTgt spid="8">
+                                            <p:txEl>
+                                              <p:pRg st="1" end="1"/>
+                                            </p:txEl>
+                                          </p:spTgt>
+                                        </p:tgtEl>
+                                        <p:attrNameLst>
+                                          <p:attrName>style.visibility</p:attrName>
+                                        </p:attrNameLst>
+                                      </p:cBhvr>
+                                      <p:to>
+                                        <p:strVal val="visible"/>
+                                      </p:to>
+                                    </p:set>
+                                  </p:childTnLst>
+                                </p:cTn>
+                              </p:par>
+                            </p:childTnLst>
+                          </p:cTn>
+                        </p:par>
+                      </p:childTnLst>
+                    </p:cTn>
+                  </p:par>
+                  <p:par>
+                    <p:cTn id="11" fill="hold">
+                      <p:stCondLst>
+                        <p:cond delay="indefinite"/>
+                      </p:stCondLst>
+                      <p:childTnLst>
+                        <p:par>
+                          <p:cTn id="12" fill="hold">
+                            <p:stCondLst>
+                              <p:cond delay="0"/>
+                            </p:stCondLst>
+                            <p:childTnLst>
+                              <p:par>
+                                <p:cTn id="13" presetID="1" presetClass="entr" presetSubtype="0" fill="hold" grpId="0" nodeType="clickEffect">
+                                  <p:stCondLst>
+                                    <p:cond delay="0"/>
+                                  </p:stCondLst>
+                                  <p:childTnLst>
+                                    <p:set>
+                                      <p:cBhvr>
+                                        <p:cTn id="14" dur="1" fill="hold">
+                                          <p:stCondLst>
+                                            <p:cond delay="0"/>
+                                          </p:stCondLst>
+                                        </p:cTn>
+                                        <p:tgtEl>
+                                          <p:spTgt spid="8">
+                                            <p:txEl>
+                                              <p:pRg st="2" end="2"/>
+                                            </p:txEl>
+                                          </p:spTgt>
+                                        </p:tgtEl>
+                                        <p:attrNameLst>
+                                          <p:attrName>style.visibility</p:attrName>
+                                        </p:attrNameLst>
+                                      </p:cBhvr>
+                                      <p:to>
+                                        <p:strVal val="visible"/>
+                                      </p:to>
+                                    </p:set>
+                                  </p:childTnLst>
+                                </p:cTn>
+                              </p:par>
+                            </p:childTnLst>
+                          </p:cTn>
+                        </p:par>
+                      </p:childTnLst>
+                    </p:cTn>
+                  </p:par>
+                  <p:par>
+                    <p:cTn id="15" fill="hold">
+                      <p:stCondLst>
+                        <p:cond delay="indefinite"/>
+                      </p:stCondLst>
+                      <p:childTnLst>
+                        <p:par>
+                          <p:cTn id="16" fill="hold">
+                            <p:stCondLst>
+                              <p:cond delay="0"/>
+                            </p:stCondLst>
+                            <p:childTnLst>
+                              <p:par>
+                                <p:cTn id="17" presetID="1" presetClass="entr" presetSubtype="0" fill="hold" grpId="0" nodeType="clickEffect">
+                                  <p:stCondLst>
+                                    <p:cond delay="0"/>
+                                  </p:stCondLst>
+                                  <p:childTnLst>
+                                    <p:set>
+                                      <p:cBhvr>
+                                        <p:cTn id="18" dur="1" fill="hold">
+                                          <p:stCondLst>
+                                            <p:cond delay="0"/>
+                                          </p:stCondLst>
+                                        </p:cTn>
+                                        <p:tgtEl>
+                                          <p:spTgt spid="8">
+                                            <p:txEl>
+                                              <p:pRg st="3" end="3"/>
+                                            </p:txEl>
+                                          </p:spTgt>
+                                        </p:tgtEl>
+                                        <p:attrNameLst>
+                                          <p:attrName>style.visibility</p:attrName>
+                                        </p:attrNameLst>
+                                      </p:cBhvr>
+                                      <p:to>
+                                        <p:strVal val="visible"/>
+                                      </p:to>
+                                    </p:set>
+                                  </p:childTnLst>
+                                </p:cTn>
+                              </p:par>
+                            </p:childTnLst>
+                          </p:cTn>
+                        </p:par>
+                      </p:childTnLst>
+                    </p:cTn>
+                  </p:par>
+                  <p:par>
+                    <p:cTn id="19" fill="hold">
+                      <p:stCondLst>
+                        <p:cond delay="indefinite"/>
+                      </p:stCondLst>
+                      <p:childTnLst>
+                        <p:par>
+                          <p:cTn id="20" fill="hold">
+                            <p:stCondLst>
+                              <p:cond delay="0"/>
+                            </p:stCondLst>
+                            <p:childTnLst>
+                              <p:par>
+                                <p:cTn id="21" presetID="1" presetClass="entr" presetSubtype="0" fill="hold" nodeType="clickEffect">
+                                  <p:stCondLst>
+                                    <p:cond delay="0"/>
+                                  </p:stCondLst>
+                                  <p:childTnLst>
+                                    <p:set>
+                                      <p:cBhvr>
+                                        <p:cTn id="22" dur="1" fill="hold">
+                                          <p:stCondLst>
+                                            <p:cond delay="0"/>
+                                          </p:stCondLst>
+                                        </p:cTn>
+                                        <p:tgtEl>
+                                          <p:spTgt spid="9"/>
+                                        </p:tgtEl>
+                                        <p:attrNameLst>
+                                          <p:attrName>style.visibility</p:attrName>
+                                        </p:attrNameLst>
+                                      </p:cBhvr>
+                                      <p:to>
+                                        <p:strVal val="visible"/>
+                                      </p:to>
+                                    </p:set>
+                                  </p:childTnLst>
+                                </p:cTn>
+                              </p:par>
+                            </p:childTnLst>
+                          </p:cTn>
+                        </p:par>
+                      </p:childTnLst>
+                    </p:cTn>
+                  </p:par>
+                </p:childTnLst>
+              </p:cTn>
+              <p:prevCondLst>
+                <p:cond evt="onPrev" delay="0">
+                  <p:tgtEl>
+                    <p:sldTgt/>
+                  </p:tgtEl>
+                </p:cond>
+              </p:prevCondLst>
+              <p:nextCondLst>
+                <p:cond evt="onNext" delay="0">
+                  <p:tgtEl>
+                    <p:sldTgt/>
+                  </p:tgtEl>
+                </p:cond>
+              </p:nextCondLst>
+            </p:seq>
+          </p:childTnLst>
+        </p:cTn>
       </p:par>
     </p:tnLst>
+    <p:bldLst>
+      <p:bldP spid="8" grpId="0" build="p"/>
+    </p:bldLst>
   </p:timing>
 </p:sld>
 </file>
@@ -7051,9 +8038,231 @@
   <p:timing>
     <p:tnLst>
       <p:par>
-        <p:cTn id="1" dur="indefinite" restart="never" nodeType="tmRoot"/>
+        <p:cTn id="1" dur="indefinite" restart="never" nodeType="tmRoot">
+          <p:childTnLst>
+            <p:seq concurrent="1" nextAc="seek">
+              <p:cTn id="2" dur="indefinite" nodeType="mainSeq">
+                <p:childTnLst>
+                  <p:par>
+                    <p:cTn id="3" fill="hold">
+                      <p:stCondLst>
+                        <p:cond delay="indefinite"/>
+                      </p:stCondLst>
+                      <p:childTnLst>
+                        <p:par>
+                          <p:cTn id="4" fill="hold">
+                            <p:stCondLst>
+                              <p:cond delay="0"/>
+                            </p:stCondLst>
+                            <p:childTnLst>
+                              <p:par>
+                                <p:cTn id="5" presetID="1" presetClass="entr" presetSubtype="0" fill="hold" grpId="0" nodeType="clickEffect">
+                                  <p:stCondLst>
+                                    <p:cond delay="0"/>
+                                  </p:stCondLst>
+                                  <p:childTnLst>
+                                    <p:set>
+                                      <p:cBhvr>
+                                        <p:cTn id="6" dur="1" fill="hold">
+                                          <p:stCondLst>
+                                            <p:cond delay="0"/>
+                                          </p:stCondLst>
+                                        </p:cTn>
+                                        <p:tgtEl>
+                                          <p:spTgt spid="3">
+                                            <p:txEl>
+                                              <p:pRg st="0" end="0"/>
+                                            </p:txEl>
+                                          </p:spTgt>
+                                        </p:tgtEl>
+                                        <p:attrNameLst>
+                                          <p:attrName>style.visibility</p:attrName>
+                                        </p:attrNameLst>
+                                      </p:cBhvr>
+                                      <p:to>
+                                        <p:strVal val="visible"/>
+                                      </p:to>
+                                    </p:set>
+                                  </p:childTnLst>
+                                </p:cTn>
+                              </p:par>
+                            </p:childTnLst>
+                          </p:cTn>
+                        </p:par>
+                      </p:childTnLst>
+                    </p:cTn>
+                  </p:par>
+                  <p:par>
+                    <p:cTn id="7" fill="hold">
+                      <p:stCondLst>
+                        <p:cond delay="indefinite"/>
+                      </p:stCondLst>
+                      <p:childTnLst>
+                        <p:par>
+                          <p:cTn id="8" fill="hold">
+                            <p:stCondLst>
+                              <p:cond delay="0"/>
+                            </p:stCondLst>
+                            <p:childTnLst>
+                              <p:par>
+                                <p:cTn id="9" presetID="1" presetClass="entr" presetSubtype="0" fill="hold" grpId="0" nodeType="clickEffect">
+                                  <p:stCondLst>
+                                    <p:cond delay="0"/>
+                                  </p:stCondLst>
+                                  <p:childTnLst>
+                                    <p:set>
+                                      <p:cBhvr>
+                                        <p:cTn id="10" dur="1" fill="hold">
+                                          <p:stCondLst>
+                                            <p:cond delay="0"/>
+                                          </p:stCondLst>
+                                        </p:cTn>
+                                        <p:tgtEl>
+                                          <p:spTgt spid="3">
+                                            <p:txEl>
+                                              <p:pRg st="1" end="1"/>
+                                            </p:txEl>
+                                          </p:spTgt>
+                                        </p:tgtEl>
+                                        <p:attrNameLst>
+                                          <p:attrName>style.visibility</p:attrName>
+                                        </p:attrNameLst>
+                                      </p:cBhvr>
+                                      <p:to>
+                                        <p:strVal val="visible"/>
+                                      </p:to>
+                                    </p:set>
+                                  </p:childTnLst>
+                                </p:cTn>
+                              </p:par>
+                            </p:childTnLst>
+                          </p:cTn>
+                        </p:par>
+                      </p:childTnLst>
+                    </p:cTn>
+                  </p:par>
+                  <p:par>
+                    <p:cTn id="11" fill="hold">
+                      <p:stCondLst>
+                        <p:cond delay="indefinite"/>
+                      </p:stCondLst>
+                      <p:childTnLst>
+                        <p:par>
+                          <p:cTn id="12" fill="hold">
+                            <p:stCondLst>
+                              <p:cond delay="0"/>
+                            </p:stCondLst>
+                            <p:childTnLst>
+                              <p:par>
+                                <p:cTn id="13" presetID="1" presetClass="entr" presetSubtype="0" fill="hold" grpId="0" nodeType="clickEffect">
+                                  <p:stCondLst>
+                                    <p:cond delay="0"/>
+                                  </p:stCondLst>
+                                  <p:childTnLst>
+                                    <p:set>
+                                      <p:cBhvr>
+                                        <p:cTn id="14" dur="1" fill="hold">
+                                          <p:stCondLst>
+                                            <p:cond delay="0"/>
+                                          </p:stCondLst>
+                                        </p:cTn>
+                                        <p:tgtEl>
+                                          <p:spTgt spid="3">
+                                            <p:txEl>
+                                              <p:pRg st="2" end="2"/>
+                                            </p:txEl>
+                                          </p:spTgt>
+                                        </p:tgtEl>
+                                        <p:attrNameLst>
+                                          <p:attrName>style.visibility</p:attrName>
+                                        </p:attrNameLst>
+                                      </p:cBhvr>
+                                      <p:to>
+                                        <p:strVal val="visible"/>
+                                      </p:to>
+                                    </p:set>
+                                  </p:childTnLst>
+                                </p:cTn>
+                              </p:par>
+                            </p:childTnLst>
+                          </p:cTn>
+                        </p:par>
+                      </p:childTnLst>
+                    </p:cTn>
+                  </p:par>
+                  <p:par>
+                    <p:cTn id="15" fill="hold">
+                      <p:stCondLst>
+                        <p:cond delay="indefinite"/>
+                      </p:stCondLst>
+                      <p:childTnLst>
+                        <p:par>
+                          <p:cTn id="16" fill="hold">
+                            <p:stCondLst>
+                              <p:cond delay="0"/>
+                            </p:stCondLst>
+                            <p:childTnLst>
+                              <p:par>
+                                <p:cTn id="17" presetID="1" presetClass="entr" presetSubtype="0" fill="hold" grpId="0" nodeType="clickEffect">
+                                  <p:stCondLst>
+                                    <p:cond delay="0"/>
+                                  </p:stCondLst>
+                                  <p:childTnLst>
+                                    <p:set>
+                                      <p:cBhvr>
+                                        <p:cTn id="18" dur="1" fill="hold">
+                                          <p:stCondLst>
+                                            <p:cond delay="0"/>
+                                          </p:stCondLst>
+                                        </p:cTn>
+                                        <p:tgtEl>
+                                          <p:spTgt spid="3">
+                                            <p:txEl>
+                                              <p:pRg st="3" end="3"/>
+                                            </p:txEl>
+                                          </p:spTgt>
+                                        </p:tgtEl>
+                                        <p:attrNameLst>
+                                          <p:attrName>style.visibility</p:attrName>
+                                        </p:attrNameLst>
+                                      </p:cBhvr>
+                                      <p:to>
+                                        <p:strVal val="visible"/>
+                                      </p:to>
+                                    </p:set>
+                                  </p:childTnLst>
+                                </p:cTn>
+                              </p:par>
+                            </p:childTnLst>
+                          </p:cTn>
+                        </p:par>
+                      </p:childTnLst>
+                    </p:cTn>
+                  </p:par>
+                </p:childTnLst>
+              </p:cTn>
+              <p:prevCondLst>
+                <p:cond evt="onPrev" delay="0">
+                  <p:tgtEl>
+                    <p:sldTgt/>
+                  </p:tgtEl>
+                </p:cond>
+              </p:prevCondLst>
+              <p:nextCondLst>
+                <p:cond evt="onNext" delay="0">
+                  <p:tgtEl>
+                    <p:sldTgt/>
+                  </p:tgtEl>
+                </p:cond>
+              </p:nextCondLst>
+            </p:seq>
+          </p:childTnLst>
+        </p:cTn>
       </p:par>
     </p:tnLst>
+    <p:bldLst>
+      <p:bldP spid="3" grpId="0" build="p"/>
+    </p:bldLst>
   </p:timing>
 </p:sld>
 </file>
@@ -7852,9 +9061,223 @@
   <p:timing>
     <p:tnLst>
       <p:par>
-        <p:cTn id="1" dur="indefinite" restart="never" nodeType="tmRoot"/>
+        <p:cTn id="1" dur="indefinite" restart="never" nodeType="tmRoot">
+          <p:childTnLst>
+            <p:seq concurrent="1" nextAc="seek">
+              <p:cTn id="2" dur="indefinite" nodeType="mainSeq">
+                <p:childTnLst>
+                  <p:par>
+                    <p:cTn id="3" fill="hold">
+                      <p:stCondLst>
+                        <p:cond delay="indefinite"/>
+                      </p:stCondLst>
+                      <p:childTnLst>
+                        <p:par>
+                          <p:cTn id="4" fill="hold">
+                            <p:stCondLst>
+                              <p:cond delay="0"/>
+                            </p:stCondLst>
+                            <p:childTnLst>
+                              <p:par>
+                                <p:cTn id="5" presetID="1" presetClass="entr" presetSubtype="0" fill="hold" grpId="0" nodeType="clickEffect">
+                                  <p:stCondLst>
+                                    <p:cond delay="0"/>
+                                  </p:stCondLst>
+                                  <p:childTnLst>
+                                    <p:set>
+                                      <p:cBhvr>
+                                        <p:cTn id="6" dur="1" fill="hold">
+                                          <p:stCondLst>
+                                            <p:cond delay="0"/>
+                                          </p:stCondLst>
+                                        </p:cTn>
+                                        <p:tgtEl>
+                                          <p:spTgt spid="3">
+                                            <p:txEl>
+                                              <p:pRg st="0" end="0"/>
+                                            </p:txEl>
+                                          </p:spTgt>
+                                        </p:tgtEl>
+                                        <p:attrNameLst>
+                                          <p:attrName>style.visibility</p:attrName>
+                                        </p:attrNameLst>
+                                      </p:cBhvr>
+                                      <p:to>
+                                        <p:strVal val="visible"/>
+                                      </p:to>
+                                    </p:set>
+                                  </p:childTnLst>
+                                </p:cTn>
+                              </p:par>
+                            </p:childTnLst>
+                          </p:cTn>
+                        </p:par>
+                      </p:childTnLst>
+                    </p:cTn>
+                  </p:par>
+                  <p:par>
+                    <p:cTn id="7" fill="hold">
+                      <p:stCondLst>
+                        <p:cond delay="indefinite"/>
+                      </p:stCondLst>
+                      <p:childTnLst>
+                        <p:par>
+                          <p:cTn id="8" fill="hold">
+                            <p:stCondLst>
+                              <p:cond delay="0"/>
+                            </p:stCondLst>
+                            <p:childTnLst>
+                              <p:par>
+                                <p:cTn id="9" presetID="1" presetClass="entr" presetSubtype="0" fill="hold" grpId="0" nodeType="clickEffect">
+                                  <p:stCondLst>
+                                    <p:cond delay="0"/>
+                                  </p:stCondLst>
+                                  <p:childTnLst>
+                                    <p:set>
+                                      <p:cBhvr>
+                                        <p:cTn id="10" dur="1" fill="hold">
+                                          <p:stCondLst>
+                                            <p:cond delay="0"/>
+                                          </p:stCondLst>
+                                        </p:cTn>
+                                        <p:tgtEl>
+                                          <p:spTgt spid="3">
+                                            <p:txEl>
+                                              <p:pRg st="5" end="5"/>
+                                            </p:txEl>
+                                          </p:spTgt>
+                                        </p:tgtEl>
+                                        <p:attrNameLst>
+                                          <p:attrName>style.visibility</p:attrName>
+                                        </p:attrNameLst>
+                                      </p:cBhvr>
+                                      <p:to>
+                                        <p:strVal val="visible"/>
+                                      </p:to>
+                                    </p:set>
+                                  </p:childTnLst>
+                                </p:cTn>
+                              </p:par>
+                            </p:childTnLst>
+                          </p:cTn>
+                        </p:par>
+                      </p:childTnLst>
+                    </p:cTn>
+                  </p:par>
+                  <p:par>
+                    <p:cTn id="11" fill="hold">
+                      <p:stCondLst>
+                        <p:cond delay="indefinite"/>
+                      </p:stCondLst>
+                      <p:childTnLst>
+                        <p:par>
+                          <p:cTn id="12" fill="hold">
+                            <p:stCondLst>
+                              <p:cond delay="0"/>
+                            </p:stCondLst>
+                            <p:childTnLst>
+                              <p:par>
+                                <p:cTn id="13" presetID="1" presetClass="entr" presetSubtype="0" fill="hold" nodeType="clickEffect">
+                                  <p:stCondLst>
+                                    <p:cond delay="0"/>
+                                  </p:stCondLst>
+                                  <p:childTnLst>
+                                    <p:set>
+                                      <p:cBhvr>
+                                        <p:cTn id="14" dur="1" fill="hold">
+                                          <p:stCondLst>
+                                            <p:cond delay="0"/>
+                                          </p:stCondLst>
+                                        </p:cTn>
+                                        <p:tgtEl>
+                                          <p:spTgt spid="8"/>
+                                        </p:tgtEl>
+                                        <p:attrNameLst>
+                                          <p:attrName>style.visibility</p:attrName>
+                                        </p:attrNameLst>
+                                      </p:cBhvr>
+                                      <p:to>
+                                        <p:strVal val="visible"/>
+                                      </p:to>
+                                    </p:set>
+                                  </p:childTnLst>
+                                </p:cTn>
+                              </p:par>
+                            </p:childTnLst>
+                          </p:cTn>
+                        </p:par>
+                      </p:childTnLst>
+                    </p:cTn>
+                  </p:par>
+                  <p:par>
+                    <p:cTn id="15" fill="hold">
+                      <p:stCondLst>
+                        <p:cond delay="indefinite"/>
+                      </p:stCondLst>
+                      <p:childTnLst>
+                        <p:par>
+                          <p:cTn id="16" fill="hold">
+                            <p:stCondLst>
+                              <p:cond delay="0"/>
+                            </p:stCondLst>
+                            <p:childTnLst>
+                              <p:par>
+                                <p:cTn id="17" presetID="1" presetClass="entr" presetSubtype="0" fill="hold" nodeType="clickEffect">
+                                  <p:stCondLst>
+                                    <p:cond delay="0"/>
+                                  </p:stCondLst>
+                                  <p:childTnLst>
+                                    <p:set>
+                                      <p:cBhvr>
+                                        <p:cTn id="18" dur="1" fill="hold">
+                                          <p:stCondLst>
+                                            <p:cond delay="0"/>
+                                          </p:stCondLst>
+                                        </p:cTn>
+                                        <p:tgtEl>
+                                          <p:spTgt spid="7"/>
+                                        </p:tgtEl>
+                                        <p:attrNameLst>
+                                          <p:attrName>style.visibility</p:attrName>
+                                        </p:attrNameLst>
+                                      </p:cBhvr>
+                                      <p:to>
+                                        <p:strVal val="visible"/>
+                                      </p:to>
+                                    </p:set>
+                                  </p:childTnLst>
+                                </p:cTn>
+                              </p:par>
+                            </p:childTnLst>
+                          </p:cTn>
+                        </p:par>
+                      </p:childTnLst>
+                    </p:cTn>
+                  </p:par>
+                </p:childTnLst>
+              </p:cTn>
+              <p:prevCondLst>
+                <p:cond evt="onPrev" delay="0">
+                  <p:tgtEl>
+                    <p:sldTgt/>
+                  </p:tgtEl>
+                </p:cond>
+              </p:prevCondLst>
+              <p:nextCondLst>
+                <p:cond evt="onNext" delay="0">
+                  <p:tgtEl>
+                    <p:sldTgt/>
+                  </p:tgtEl>
+                </p:cond>
+              </p:nextCondLst>
+            </p:seq>
+          </p:childTnLst>
+        </p:cTn>
       </p:par>
     </p:tnLst>
+    <p:bldLst>
+      <p:bldP spid="3" grpId="0" build="p"/>
+    </p:bldLst>
   </p:timing>
 </p:sld>
 </file>
@@ -8063,28 +9486,24 @@
               <a:rPr lang="en-US" dirty="0" smtClean="0"/>
               <a:t>Vocoder Block Diagram</a:t>
             </a:r>
-            <a:endParaRPr lang="en-US" dirty="0" smtClean="0"/>
           </a:p>
           <a:p>
             <a:r>
               <a:rPr lang="en-US" dirty="0" smtClean="0"/>
               <a:t>Communication Interface</a:t>
             </a:r>
-            <a:endParaRPr lang="en-US" dirty="0" smtClean="0"/>
           </a:p>
           <a:p>
             <a:r>
               <a:rPr lang="en-US" dirty="0" smtClean="0"/>
               <a:t>Interface Selection</a:t>
             </a:r>
-            <a:endParaRPr lang="en-US" dirty="0" smtClean="0"/>
           </a:p>
           <a:p>
             <a:r>
               <a:rPr lang="en-US" dirty="0" smtClean="0"/>
               <a:t>Summary</a:t>
             </a:r>
-            <a:endParaRPr lang="en-US" dirty="0" smtClean="0"/>
           </a:p>
           <a:p>
             <a:r>
@@ -8174,9 +9593,280 @@
   <p:timing>
     <p:tnLst>
       <p:par>
-        <p:cTn id="1" dur="indefinite" restart="never" nodeType="tmRoot"/>
+        <p:cTn id="1" dur="indefinite" restart="never" nodeType="tmRoot">
+          <p:childTnLst>
+            <p:seq concurrent="1" nextAc="seek">
+              <p:cTn id="2" dur="indefinite" nodeType="mainSeq">
+                <p:childTnLst>
+                  <p:par>
+                    <p:cTn id="3" fill="hold">
+                      <p:stCondLst>
+                        <p:cond delay="indefinite"/>
+                      </p:stCondLst>
+                      <p:childTnLst>
+                        <p:par>
+                          <p:cTn id="4" fill="hold">
+                            <p:stCondLst>
+                              <p:cond delay="0"/>
+                            </p:stCondLst>
+                            <p:childTnLst>
+                              <p:par>
+                                <p:cTn id="5" presetID="1" presetClass="entr" presetSubtype="0" fill="hold" grpId="0" nodeType="clickEffect">
+                                  <p:stCondLst>
+                                    <p:cond delay="0"/>
+                                  </p:stCondLst>
+                                  <p:childTnLst>
+                                    <p:set>
+                                      <p:cBhvr>
+                                        <p:cTn id="6" dur="1" fill="hold">
+                                          <p:stCondLst>
+                                            <p:cond delay="0"/>
+                                          </p:stCondLst>
+                                        </p:cTn>
+                                        <p:tgtEl>
+                                          <p:spTgt spid="8">
+                                            <p:txEl>
+                                              <p:pRg st="0" end="0"/>
+                                            </p:txEl>
+                                          </p:spTgt>
+                                        </p:tgtEl>
+                                        <p:attrNameLst>
+                                          <p:attrName>style.visibility</p:attrName>
+                                        </p:attrNameLst>
+                                      </p:cBhvr>
+                                      <p:to>
+                                        <p:strVal val="visible"/>
+                                      </p:to>
+                                    </p:set>
+                                  </p:childTnLst>
+                                </p:cTn>
+                              </p:par>
+                            </p:childTnLst>
+                          </p:cTn>
+                        </p:par>
+                      </p:childTnLst>
+                    </p:cTn>
+                  </p:par>
+                  <p:par>
+                    <p:cTn id="7" fill="hold">
+                      <p:stCondLst>
+                        <p:cond delay="indefinite"/>
+                      </p:stCondLst>
+                      <p:childTnLst>
+                        <p:par>
+                          <p:cTn id="8" fill="hold">
+                            <p:stCondLst>
+                              <p:cond delay="0"/>
+                            </p:stCondLst>
+                            <p:childTnLst>
+                              <p:par>
+                                <p:cTn id="9" presetID="1" presetClass="entr" presetSubtype="0" fill="hold" grpId="0" nodeType="clickEffect">
+                                  <p:stCondLst>
+                                    <p:cond delay="0"/>
+                                  </p:stCondLst>
+                                  <p:childTnLst>
+                                    <p:set>
+                                      <p:cBhvr>
+                                        <p:cTn id="10" dur="1" fill="hold">
+                                          <p:stCondLst>
+                                            <p:cond delay="0"/>
+                                          </p:stCondLst>
+                                        </p:cTn>
+                                        <p:tgtEl>
+                                          <p:spTgt spid="8">
+                                            <p:txEl>
+                                              <p:pRg st="1" end="1"/>
+                                            </p:txEl>
+                                          </p:spTgt>
+                                        </p:tgtEl>
+                                        <p:attrNameLst>
+                                          <p:attrName>style.visibility</p:attrName>
+                                        </p:attrNameLst>
+                                      </p:cBhvr>
+                                      <p:to>
+                                        <p:strVal val="visible"/>
+                                      </p:to>
+                                    </p:set>
+                                  </p:childTnLst>
+                                </p:cTn>
+                              </p:par>
+                            </p:childTnLst>
+                          </p:cTn>
+                        </p:par>
+                      </p:childTnLst>
+                    </p:cTn>
+                  </p:par>
+                  <p:par>
+                    <p:cTn id="11" fill="hold">
+                      <p:stCondLst>
+                        <p:cond delay="indefinite"/>
+                      </p:stCondLst>
+                      <p:childTnLst>
+                        <p:par>
+                          <p:cTn id="12" fill="hold">
+                            <p:stCondLst>
+                              <p:cond delay="0"/>
+                            </p:stCondLst>
+                            <p:childTnLst>
+                              <p:par>
+                                <p:cTn id="13" presetID="1" presetClass="entr" presetSubtype="0" fill="hold" grpId="0" nodeType="clickEffect">
+                                  <p:stCondLst>
+                                    <p:cond delay="0"/>
+                                  </p:stCondLst>
+                                  <p:childTnLst>
+                                    <p:set>
+                                      <p:cBhvr>
+                                        <p:cTn id="14" dur="1" fill="hold">
+                                          <p:stCondLst>
+                                            <p:cond delay="0"/>
+                                          </p:stCondLst>
+                                        </p:cTn>
+                                        <p:tgtEl>
+                                          <p:spTgt spid="8">
+                                            <p:txEl>
+                                              <p:pRg st="2" end="2"/>
+                                            </p:txEl>
+                                          </p:spTgt>
+                                        </p:tgtEl>
+                                        <p:attrNameLst>
+                                          <p:attrName>style.visibility</p:attrName>
+                                        </p:attrNameLst>
+                                      </p:cBhvr>
+                                      <p:to>
+                                        <p:strVal val="visible"/>
+                                      </p:to>
+                                    </p:set>
+                                  </p:childTnLst>
+                                </p:cTn>
+                              </p:par>
+                            </p:childTnLst>
+                          </p:cTn>
+                        </p:par>
+                      </p:childTnLst>
+                    </p:cTn>
+                  </p:par>
+                  <p:par>
+                    <p:cTn id="15" fill="hold">
+                      <p:stCondLst>
+                        <p:cond delay="indefinite"/>
+                      </p:stCondLst>
+                      <p:childTnLst>
+                        <p:par>
+                          <p:cTn id="16" fill="hold">
+                            <p:stCondLst>
+                              <p:cond delay="0"/>
+                            </p:stCondLst>
+                            <p:childTnLst>
+                              <p:par>
+                                <p:cTn id="17" presetID="1" presetClass="entr" presetSubtype="0" fill="hold" grpId="0" nodeType="clickEffect">
+                                  <p:stCondLst>
+                                    <p:cond delay="0"/>
+                                  </p:stCondLst>
+                                  <p:childTnLst>
+                                    <p:set>
+                                      <p:cBhvr>
+                                        <p:cTn id="18" dur="1" fill="hold">
+                                          <p:stCondLst>
+                                            <p:cond delay="0"/>
+                                          </p:stCondLst>
+                                        </p:cTn>
+                                        <p:tgtEl>
+                                          <p:spTgt spid="8">
+                                            <p:txEl>
+                                              <p:pRg st="3" end="3"/>
+                                            </p:txEl>
+                                          </p:spTgt>
+                                        </p:tgtEl>
+                                        <p:attrNameLst>
+                                          <p:attrName>style.visibility</p:attrName>
+                                        </p:attrNameLst>
+                                      </p:cBhvr>
+                                      <p:to>
+                                        <p:strVal val="visible"/>
+                                      </p:to>
+                                    </p:set>
+                                  </p:childTnLst>
+                                </p:cTn>
+                              </p:par>
+                            </p:childTnLst>
+                          </p:cTn>
+                        </p:par>
+                      </p:childTnLst>
+                    </p:cTn>
+                  </p:par>
+                  <p:par>
+                    <p:cTn id="19" fill="hold">
+                      <p:stCondLst>
+                        <p:cond delay="indefinite"/>
+                      </p:stCondLst>
+                      <p:childTnLst>
+                        <p:par>
+                          <p:cTn id="20" fill="hold">
+                            <p:stCondLst>
+                              <p:cond delay="0"/>
+                            </p:stCondLst>
+                            <p:childTnLst>
+                              <p:par>
+                                <p:cTn id="21" presetID="1" presetClass="entr" presetSubtype="0" fill="hold" grpId="0" nodeType="clickEffect">
+                                  <p:stCondLst>
+                                    <p:cond delay="0"/>
+                                  </p:stCondLst>
+                                  <p:childTnLst>
+                                    <p:set>
+                                      <p:cBhvr>
+                                        <p:cTn id="22" dur="1" fill="hold">
+                                          <p:stCondLst>
+                                            <p:cond delay="0"/>
+                                          </p:stCondLst>
+                                        </p:cTn>
+                                        <p:tgtEl>
+                                          <p:spTgt spid="8">
+                                            <p:txEl>
+                                              <p:pRg st="4" end="4"/>
+                                            </p:txEl>
+                                          </p:spTgt>
+                                        </p:tgtEl>
+                                        <p:attrNameLst>
+                                          <p:attrName>style.visibility</p:attrName>
+                                        </p:attrNameLst>
+                                      </p:cBhvr>
+                                      <p:to>
+                                        <p:strVal val="visible"/>
+                                      </p:to>
+                                    </p:set>
+                                  </p:childTnLst>
+                                </p:cTn>
+                              </p:par>
+                            </p:childTnLst>
+                          </p:cTn>
+                        </p:par>
+                      </p:childTnLst>
+                    </p:cTn>
+                  </p:par>
+                </p:childTnLst>
+              </p:cTn>
+              <p:prevCondLst>
+                <p:cond evt="onPrev" delay="0">
+                  <p:tgtEl>
+                    <p:sldTgt/>
+                  </p:tgtEl>
+                </p:cond>
+              </p:prevCondLst>
+              <p:nextCondLst>
+                <p:cond evt="onNext" delay="0">
+                  <p:tgtEl>
+                    <p:sldTgt/>
+                  </p:tgtEl>
+                </p:cond>
+              </p:nextCondLst>
+            </p:seq>
+          </p:childTnLst>
+        </p:cTn>
       </p:par>
     </p:tnLst>
+    <p:bldLst>
+      <p:bldP spid="8" grpId="0" build="p"/>
+    </p:bldLst>
   </p:timing>
 </p:sld>
 </file>
@@ -8542,9 +10232,325 @@
   <p:timing>
     <p:tnLst>
       <p:par>
-        <p:cTn id="1" dur="indefinite" restart="never" nodeType="tmRoot"/>
+        <p:cTn id="1" dur="indefinite" restart="never" nodeType="tmRoot">
+          <p:childTnLst>
+            <p:seq concurrent="1" nextAc="seek">
+              <p:cTn id="2" dur="indefinite" nodeType="mainSeq">
+                <p:childTnLst>
+                  <p:par>
+                    <p:cTn id="3" fill="hold">
+                      <p:stCondLst>
+                        <p:cond delay="indefinite"/>
+                      </p:stCondLst>
+                      <p:childTnLst>
+                        <p:par>
+                          <p:cTn id="4" fill="hold">
+                            <p:stCondLst>
+                              <p:cond delay="0"/>
+                            </p:stCondLst>
+                            <p:childTnLst>
+                              <p:par>
+                                <p:cTn id="5" presetID="1" presetClass="entr" presetSubtype="0" fill="hold" nodeType="clickEffect">
+                                  <p:stCondLst>
+                                    <p:cond delay="0"/>
+                                  </p:stCondLst>
+                                  <p:childTnLst>
+                                    <p:set>
+                                      <p:cBhvr>
+                                        <p:cTn id="6" dur="1" fill="hold">
+                                          <p:stCondLst>
+                                            <p:cond delay="0"/>
+                                          </p:stCondLst>
+                                        </p:cTn>
+                                        <p:tgtEl>
+                                          <p:spTgt spid="9"/>
+                                        </p:tgtEl>
+                                        <p:attrNameLst>
+                                          <p:attrName>style.visibility</p:attrName>
+                                        </p:attrNameLst>
+                                      </p:cBhvr>
+                                      <p:to>
+                                        <p:strVal val="visible"/>
+                                      </p:to>
+                                    </p:set>
+                                  </p:childTnLst>
+                                </p:cTn>
+                              </p:par>
+                            </p:childTnLst>
+                          </p:cTn>
+                        </p:par>
+                      </p:childTnLst>
+                    </p:cTn>
+                  </p:par>
+                  <p:par>
+                    <p:cTn id="7" fill="hold">
+                      <p:stCondLst>
+                        <p:cond delay="indefinite"/>
+                      </p:stCondLst>
+                      <p:childTnLst>
+                        <p:par>
+                          <p:cTn id="8" fill="hold">
+                            <p:stCondLst>
+                              <p:cond delay="0"/>
+                            </p:stCondLst>
+                            <p:childTnLst>
+                              <p:par>
+                                <p:cTn id="9" presetID="1" presetClass="entr" presetSubtype="0" fill="hold" grpId="0" nodeType="clickEffect">
+                                  <p:stCondLst>
+                                    <p:cond delay="0"/>
+                                  </p:stCondLst>
+                                  <p:childTnLst>
+                                    <p:set>
+                                      <p:cBhvr>
+                                        <p:cTn id="10" dur="1" fill="hold">
+                                          <p:stCondLst>
+                                            <p:cond delay="0"/>
+                                          </p:stCondLst>
+                                        </p:cTn>
+                                        <p:tgtEl>
+                                          <p:spTgt spid="8">
+                                            <p:txEl>
+                                              <p:pRg st="3" end="3"/>
+                                            </p:txEl>
+                                          </p:spTgt>
+                                        </p:tgtEl>
+                                        <p:attrNameLst>
+                                          <p:attrName>style.visibility</p:attrName>
+                                        </p:attrNameLst>
+                                      </p:cBhvr>
+                                      <p:to>
+                                        <p:strVal val="visible"/>
+                                      </p:to>
+                                    </p:set>
+                                  </p:childTnLst>
+                                </p:cTn>
+                              </p:par>
+                            </p:childTnLst>
+                          </p:cTn>
+                        </p:par>
+                      </p:childTnLst>
+                    </p:cTn>
+                  </p:par>
+                  <p:par>
+                    <p:cTn id="11" fill="hold">
+                      <p:stCondLst>
+                        <p:cond delay="indefinite"/>
+                      </p:stCondLst>
+                      <p:childTnLst>
+                        <p:par>
+                          <p:cTn id="12" fill="hold">
+                            <p:stCondLst>
+                              <p:cond delay="0"/>
+                            </p:stCondLst>
+                            <p:childTnLst>
+                              <p:par>
+                                <p:cTn id="13" presetID="1" presetClass="entr" presetSubtype="0" fill="hold" grpId="0" nodeType="clickEffect">
+                                  <p:stCondLst>
+                                    <p:cond delay="0"/>
+                                  </p:stCondLst>
+                                  <p:childTnLst>
+                                    <p:set>
+                                      <p:cBhvr>
+                                        <p:cTn id="14" dur="1" fill="hold">
+                                          <p:stCondLst>
+                                            <p:cond delay="0"/>
+                                          </p:stCondLst>
+                                        </p:cTn>
+                                        <p:tgtEl>
+                                          <p:spTgt spid="8">
+                                            <p:txEl>
+                                              <p:pRg st="4" end="4"/>
+                                            </p:txEl>
+                                          </p:spTgt>
+                                        </p:tgtEl>
+                                        <p:attrNameLst>
+                                          <p:attrName>style.visibility</p:attrName>
+                                        </p:attrNameLst>
+                                      </p:cBhvr>
+                                      <p:to>
+                                        <p:strVal val="visible"/>
+                                      </p:to>
+                                    </p:set>
+                                  </p:childTnLst>
+                                </p:cTn>
+                              </p:par>
+                            </p:childTnLst>
+                          </p:cTn>
+                        </p:par>
+                      </p:childTnLst>
+                    </p:cTn>
+                  </p:par>
+                  <p:par>
+                    <p:cTn id="15" fill="hold">
+                      <p:stCondLst>
+                        <p:cond delay="indefinite"/>
+                      </p:stCondLst>
+                      <p:childTnLst>
+                        <p:par>
+                          <p:cTn id="16" fill="hold">
+                            <p:stCondLst>
+                              <p:cond delay="0"/>
+                            </p:stCondLst>
+                            <p:childTnLst>
+                              <p:par>
+                                <p:cTn id="17" presetID="1" presetClass="entr" presetSubtype="0" fill="hold" grpId="0" nodeType="clickEffect">
+                                  <p:stCondLst>
+                                    <p:cond delay="0"/>
+                                  </p:stCondLst>
+                                  <p:childTnLst>
+                                    <p:set>
+                                      <p:cBhvr>
+                                        <p:cTn id="18" dur="1" fill="hold">
+                                          <p:stCondLst>
+                                            <p:cond delay="0"/>
+                                          </p:stCondLst>
+                                        </p:cTn>
+                                        <p:tgtEl>
+                                          <p:spTgt spid="8">
+                                            <p:txEl>
+                                              <p:pRg st="5" end="5"/>
+                                            </p:txEl>
+                                          </p:spTgt>
+                                        </p:tgtEl>
+                                        <p:attrNameLst>
+                                          <p:attrName>style.visibility</p:attrName>
+                                        </p:attrNameLst>
+                                      </p:cBhvr>
+                                      <p:to>
+                                        <p:strVal val="visible"/>
+                                      </p:to>
+                                    </p:set>
+                                  </p:childTnLst>
+                                </p:cTn>
+                              </p:par>
+                            </p:childTnLst>
+                          </p:cTn>
+                        </p:par>
+                      </p:childTnLst>
+                    </p:cTn>
+                  </p:par>
+                  <p:par>
+                    <p:cTn id="19" fill="hold">
+                      <p:stCondLst>
+                        <p:cond delay="indefinite"/>
+                      </p:stCondLst>
+                      <p:childTnLst>
+                        <p:par>
+                          <p:cTn id="20" fill="hold">
+                            <p:stCondLst>
+                              <p:cond delay="0"/>
+                            </p:stCondLst>
+                            <p:childTnLst>
+                              <p:par>
+                                <p:cTn id="21" presetID="1" presetClass="entr" presetSubtype="0" fill="hold" grpId="0" nodeType="clickEffect">
+                                  <p:stCondLst>
+                                    <p:cond delay="0"/>
+                                  </p:stCondLst>
+                                  <p:childTnLst>
+                                    <p:set>
+                                      <p:cBhvr>
+                                        <p:cTn id="22" dur="1" fill="hold">
+                                          <p:stCondLst>
+                                            <p:cond delay="0"/>
+                                          </p:stCondLst>
+                                        </p:cTn>
+                                        <p:tgtEl>
+                                          <p:spTgt spid="8">
+                                            <p:txEl>
+                                              <p:pRg st="6" end="6"/>
+                                            </p:txEl>
+                                          </p:spTgt>
+                                        </p:tgtEl>
+                                        <p:attrNameLst>
+                                          <p:attrName>style.visibility</p:attrName>
+                                        </p:attrNameLst>
+                                      </p:cBhvr>
+                                      <p:to>
+                                        <p:strVal val="visible"/>
+                                      </p:to>
+                                    </p:set>
+                                  </p:childTnLst>
+                                </p:cTn>
+                              </p:par>
+                            </p:childTnLst>
+                          </p:cTn>
+                        </p:par>
+                      </p:childTnLst>
+                    </p:cTn>
+                  </p:par>
+                  <p:par>
+                    <p:cTn id="23" fill="hold">
+                      <p:stCondLst>
+                        <p:cond delay="indefinite"/>
+                      </p:stCondLst>
+                      <p:childTnLst>
+                        <p:par>
+                          <p:cTn id="24" fill="hold">
+                            <p:stCondLst>
+                              <p:cond delay="0"/>
+                            </p:stCondLst>
+                            <p:childTnLst>
+                              <p:par>
+                                <p:cTn id="25" presetID="1" presetClass="entr" presetSubtype="0" fill="hold" grpId="0" nodeType="clickEffect">
+                                  <p:stCondLst>
+                                    <p:cond delay="0"/>
+                                  </p:stCondLst>
+                                  <p:childTnLst>
+                                    <p:set>
+                                      <p:cBhvr>
+                                        <p:cTn id="26" dur="1" fill="hold">
+                                          <p:stCondLst>
+                                            <p:cond delay="0"/>
+                                          </p:stCondLst>
+                                        </p:cTn>
+                                        <p:tgtEl>
+                                          <p:spTgt spid="8">
+                                            <p:txEl>
+                                              <p:pRg st="7" end="7"/>
+                                            </p:txEl>
+                                          </p:spTgt>
+                                        </p:tgtEl>
+                                        <p:attrNameLst>
+                                          <p:attrName>style.visibility</p:attrName>
+                                        </p:attrNameLst>
+                                      </p:cBhvr>
+                                      <p:to>
+                                        <p:strVal val="visible"/>
+                                      </p:to>
+                                    </p:set>
+                                  </p:childTnLst>
+                                </p:cTn>
+                              </p:par>
+                            </p:childTnLst>
+                          </p:cTn>
+                        </p:par>
+                      </p:childTnLst>
+                    </p:cTn>
+                  </p:par>
+                </p:childTnLst>
+              </p:cTn>
+              <p:prevCondLst>
+                <p:cond evt="onPrev" delay="0">
+                  <p:tgtEl>
+                    <p:sldTgt/>
+                  </p:tgtEl>
+                </p:cond>
+              </p:prevCondLst>
+              <p:nextCondLst>
+                <p:cond evt="onNext" delay="0">
+                  <p:tgtEl>
+                    <p:sldTgt/>
+                  </p:tgtEl>
+                </p:cond>
+              </p:nextCondLst>
+            </p:seq>
+          </p:childTnLst>
+        </p:cTn>
       </p:par>
     </p:tnLst>
+    <p:bldLst>
+      <p:bldP spid="8" grpId="0" build="p"/>
+    </p:bldLst>
   </p:timing>
 </p:sld>
 </file>
@@ -8694,6 +10700,137 @@
   <p:clrMapOvr>
     <a:masterClrMapping/>
   </p:clrMapOvr>
+  <p:timing>
+    <p:tnLst>
+      <p:par>
+        <p:cTn id="1" dur="indefinite" restart="never" nodeType="tmRoot">
+          <p:childTnLst>
+            <p:seq concurrent="1" nextAc="seek">
+              <p:cTn id="2" dur="indefinite" nodeType="mainSeq">
+                <p:childTnLst>
+                  <p:par>
+                    <p:cTn id="3" fill="hold">
+                      <p:stCondLst>
+                        <p:cond delay="indefinite"/>
+                      </p:stCondLst>
+                      <p:childTnLst>
+                        <p:par>
+                          <p:cTn id="4" fill="hold">
+                            <p:stCondLst>
+                              <p:cond delay="0"/>
+                            </p:stCondLst>
+                            <p:childTnLst>
+                              <p:par>
+                                <p:cTn id="5" presetID="1" presetClass="entr" presetSubtype="0" fill="hold" grpId="0" nodeType="clickEffect">
+                                  <p:stCondLst>
+                                    <p:cond delay="0"/>
+                                  </p:stCondLst>
+                                  <p:childTnLst>
+                                    <p:set>
+                                      <p:cBhvr>
+                                        <p:cTn id="6" dur="1" fill="hold">
+                                          <p:stCondLst>
+                                            <p:cond delay="0"/>
+                                          </p:stCondLst>
+                                        </p:cTn>
+                                        <p:tgtEl>
+                                          <p:spTgt spid="8">
+                                            <p:txEl>
+                                              <p:pRg st="0" end="0"/>
+                                            </p:txEl>
+                                          </p:spTgt>
+                                        </p:tgtEl>
+                                        <p:attrNameLst>
+                                          <p:attrName>style.visibility</p:attrName>
+                                        </p:attrNameLst>
+                                      </p:cBhvr>
+                                      <p:to>
+                                        <p:strVal val="visible"/>
+                                      </p:to>
+                                    </p:set>
+                                  </p:childTnLst>
+                                </p:cTn>
+                              </p:par>
+                            </p:childTnLst>
+                          </p:cTn>
+                        </p:par>
+                      </p:childTnLst>
+                    </p:cTn>
+                  </p:par>
+                  <p:par>
+                    <p:cTn id="7" fill="hold">
+                      <p:stCondLst>
+                        <p:cond delay="indefinite"/>
+                      </p:stCondLst>
+                      <p:childTnLst>
+                        <p:par>
+                          <p:cTn id="8" fill="hold">
+                            <p:stCondLst>
+                              <p:cond delay="0"/>
+                            </p:stCondLst>
+                            <p:childTnLst>
+                              <p:par>
+                                <p:cTn id="9" presetID="1" presetClass="entr" presetSubtype="0" fill="hold" grpId="0" nodeType="clickEffect">
+                                  <p:stCondLst>
+                                    <p:cond delay="0"/>
+                                  </p:stCondLst>
+                                  <p:childTnLst>
+                                    <p:set>
+                                      <p:cBhvr>
+                                        <p:cTn id="10" dur="1" fill="hold">
+                                          <p:stCondLst>
+                                            <p:cond delay="0"/>
+                                          </p:stCondLst>
+                                        </p:cTn>
+                                        <p:tgtEl>
+                                          <p:spTgt spid="8">
+                                            <p:txEl>
+                                              <p:pRg st="1" end="1"/>
+                                            </p:txEl>
+                                          </p:spTgt>
+                                        </p:tgtEl>
+                                        <p:attrNameLst>
+                                          <p:attrName>style.visibility</p:attrName>
+                                        </p:attrNameLst>
+                                      </p:cBhvr>
+                                      <p:to>
+                                        <p:strVal val="visible"/>
+                                      </p:to>
+                                    </p:set>
+                                  </p:childTnLst>
+                                </p:cTn>
+                              </p:par>
+                            </p:childTnLst>
+                          </p:cTn>
+                        </p:par>
+                      </p:childTnLst>
+                    </p:cTn>
+                  </p:par>
+                </p:childTnLst>
+              </p:cTn>
+              <p:prevCondLst>
+                <p:cond evt="onPrev" delay="0">
+                  <p:tgtEl>
+                    <p:sldTgt/>
+                  </p:tgtEl>
+                </p:cond>
+              </p:prevCondLst>
+              <p:nextCondLst>
+                <p:cond evt="onNext" delay="0">
+                  <p:tgtEl>
+                    <p:sldTgt/>
+                  </p:tgtEl>
+                </p:cond>
+              </p:nextCondLst>
+            </p:seq>
+          </p:childTnLst>
+        </p:cTn>
+      </p:par>
+    </p:tnLst>
+    <p:bldLst>
+      <p:bldP spid="8" grpId="0" build="p"/>
+    </p:bldLst>
+  </p:timing>
 </p:sld>
 </file>
 
@@ -8909,6 +11046,383 @@
   <p:clrMapOvr>
     <a:masterClrMapping/>
   </p:clrMapOvr>
+  <p:timing>
+    <p:tnLst>
+      <p:par>
+        <p:cTn id="1" dur="indefinite" restart="never" nodeType="tmRoot">
+          <p:childTnLst>
+            <p:seq concurrent="1" nextAc="seek">
+              <p:cTn id="2" dur="indefinite" nodeType="mainSeq">
+                <p:childTnLst>
+                  <p:par>
+                    <p:cTn id="3" fill="hold">
+                      <p:stCondLst>
+                        <p:cond delay="indefinite"/>
+                      </p:stCondLst>
+                      <p:childTnLst>
+                        <p:par>
+                          <p:cTn id="4" fill="hold">
+                            <p:stCondLst>
+                              <p:cond delay="0"/>
+                            </p:stCondLst>
+                            <p:childTnLst>
+                              <p:par>
+                                <p:cTn id="5" presetID="1" presetClass="entr" presetSubtype="0" fill="hold" grpId="0" nodeType="clickEffect">
+                                  <p:stCondLst>
+                                    <p:cond delay="0"/>
+                                  </p:stCondLst>
+                                  <p:childTnLst>
+                                    <p:set>
+                                      <p:cBhvr>
+                                        <p:cTn id="6" dur="1" fill="hold">
+                                          <p:stCondLst>
+                                            <p:cond delay="0"/>
+                                          </p:stCondLst>
+                                        </p:cTn>
+                                        <p:tgtEl>
+                                          <p:spTgt spid="9">
+                                            <p:txEl>
+                                              <p:pRg st="0" end="0"/>
+                                            </p:txEl>
+                                          </p:spTgt>
+                                        </p:tgtEl>
+                                        <p:attrNameLst>
+                                          <p:attrName>style.visibility</p:attrName>
+                                        </p:attrNameLst>
+                                      </p:cBhvr>
+                                      <p:to>
+                                        <p:strVal val="visible"/>
+                                      </p:to>
+                                    </p:set>
+                                  </p:childTnLst>
+                                </p:cTn>
+                              </p:par>
+                            </p:childTnLst>
+                          </p:cTn>
+                        </p:par>
+                      </p:childTnLst>
+                    </p:cTn>
+                  </p:par>
+                  <p:par>
+                    <p:cTn id="7" fill="hold">
+                      <p:stCondLst>
+                        <p:cond delay="indefinite"/>
+                      </p:stCondLst>
+                      <p:childTnLst>
+                        <p:par>
+                          <p:cTn id="8" fill="hold">
+                            <p:stCondLst>
+                              <p:cond delay="0"/>
+                            </p:stCondLst>
+                            <p:childTnLst>
+                              <p:par>
+                                <p:cTn id="9" presetID="1" presetClass="entr" presetSubtype="0" fill="hold" grpId="0" nodeType="clickEffect">
+                                  <p:stCondLst>
+                                    <p:cond delay="0"/>
+                                  </p:stCondLst>
+                                  <p:childTnLst>
+                                    <p:set>
+                                      <p:cBhvr>
+                                        <p:cTn id="10" dur="1" fill="hold">
+                                          <p:stCondLst>
+                                            <p:cond delay="0"/>
+                                          </p:stCondLst>
+                                        </p:cTn>
+                                        <p:tgtEl>
+                                          <p:spTgt spid="9">
+                                            <p:txEl>
+                                              <p:pRg st="1" end="1"/>
+                                            </p:txEl>
+                                          </p:spTgt>
+                                        </p:tgtEl>
+                                        <p:attrNameLst>
+                                          <p:attrName>style.visibility</p:attrName>
+                                        </p:attrNameLst>
+                                      </p:cBhvr>
+                                      <p:to>
+                                        <p:strVal val="visible"/>
+                                      </p:to>
+                                    </p:set>
+                                  </p:childTnLst>
+                                </p:cTn>
+                              </p:par>
+                            </p:childTnLst>
+                          </p:cTn>
+                        </p:par>
+                      </p:childTnLst>
+                    </p:cTn>
+                  </p:par>
+                  <p:par>
+                    <p:cTn id="11" fill="hold">
+                      <p:stCondLst>
+                        <p:cond delay="indefinite"/>
+                      </p:stCondLst>
+                      <p:childTnLst>
+                        <p:par>
+                          <p:cTn id="12" fill="hold">
+                            <p:stCondLst>
+                              <p:cond delay="0"/>
+                            </p:stCondLst>
+                            <p:childTnLst>
+                              <p:par>
+                                <p:cTn id="13" presetID="1" presetClass="entr" presetSubtype="0" fill="hold" grpId="0" nodeType="clickEffect">
+                                  <p:stCondLst>
+                                    <p:cond delay="0"/>
+                                  </p:stCondLst>
+                                  <p:childTnLst>
+                                    <p:set>
+                                      <p:cBhvr>
+                                        <p:cTn id="14" dur="1" fill="hold">
+                                          <p:stCondLst>
+                                            <p:cond delay="0"/>
+                                          </p:stCondLst>
+                                        </p:cTn>
+                                        <p:tgtEl>
+                                          <p:spTgt spid="9">
+                                            <p:txEl>
+                                              <p:pRg st="2" end="2"/>
+                                            </p:txEl>
+                                          </p:spTgt>
+                                        </p:tgtEl>
+                                        <p:attrNameLst>
+                                          <p:attrName>style.visibility</p:attrName>
+                                        </p:attrNameLst>
+                                      </p:cBhvr>
+                                      <p:to>
+                                        <p:strVal val="visible"/>
+                                      </p:to>
+                                    </p:set>
+                                  </p:childTnLst>
+                                </p:cTn>
+                              </p:par>
+                            </p:childTnLst>
+                          </p:cTn>
+                        </p:par>
+                      </p:childTnLst>
+                    </p:cTn>
+                  </p:par>
+                  <p:par>
+                    <p:cTn id="15" fill="hold">
+                      <p:stCondLst>
+                        <p:cond delay="indefinite"/>
+                      </p:stCondLst>
+                      <p:childTnLst>
+                        <p:par>
+                          <p:cTn id="16" fill="hold">
+                            <p:stCondLst>
+                              <p:cond delay="0"/>
+                            </p:stCondLst>
+                            <p:childTnLst>
+                              <p:par>
+                                <p:cTn id="17" presetID="1" presetClass="entr" presetSubtype="0" fill="hold" grpId="0" nodeType="clickEffect">
+                                  <p:stCondLst>
+                                    <p:cond delay="0"/>
+                                  </p:stCondLst>
+                                  <p:childTnLst>
+                                    <p:set>
+                                      <p:cBhvr>
+                                        <p:cTn id="18" dur="1" fill="hold">
+                                          <p:stCondLst>
+                                            <p:cond delay="0"/>
+                                          </p:stCondLst>
+                                        </p:cTn>
+                                        <p:tgtEl>
+                                          <p:spTgt spid="9">
+                                            <p:txEl>
+                                              <p:pRg st="3" end="3"/>
+                                            </p:txEl>
+                                          </p:spTgt>
+                                        </p:tgtEl>
+                                        <p:attrNameLst>
+                                          <p:attrName>style.visibility</p:attrName>
+                                        </p:attrNameLst>
+                                      </p:cBhvr>
+                                      <p:to>
+                                        <p:strVal val="visible"/>
+                                      </p:to>
+                                    </p:set>
+                                  </p:childTnLst>
+                                </p:cTn>
+                              </p:par>
+                            </p:childTnLst>
+                          </p:cTn>
+                        </p:par>
+                      </p:childTnLst>
+                    </p:cTn>
+                  </p:par>
+                  <p:par>
+                    <p:cTn id="19" fill="hold">
+                      <p:stCondLst>
+                        <p:cond delay="indefinite"/>
+                      </p:stCondLst>
+                      <p:childTnLst>
+                        <p:par>
+                          <p:cTn id="20" fill="hold">
+                            <p:stCondLst>
+                              <p:cond delay="0"/>
+                            </p:stCondLst>
+                            <p:childTnLst>
+                              <p:par>
+                                <p:cTn id="21" presetID="1" presetClass="entr" presetSubtype="0" fill="hold" grpId="0" nodeType="clickEffect">
+                                  <p:stCondLst>
+                                    <p:cond delay="0"/>
+                                  </p:stCondLst>
+                                  <p:childTnLst>
+                                    <p:set>
+                                      <p:cBhvr>
+                                        <p:cTn id="22" dur="1" fill="hold">
+                                          <p:stCondLst>
+                                            <p:cond delay="0"/>
+                                          </p:stCondLst>
+                                        </p:cTn>
+                                        <p:tgtEl>
+                                          <p:spTgt spid="10">
+                                            <p:txEl>
+                                              <p:pRg st="0" end="0"/>
+                                            </p:txEl>
+                                          </p:spTgt>
+                                        </p:tgtEl>
+                                        <p:attrNameLst>
+                                          <p:attrName>style.visibility</p:attrName>
+                                        </p:attrNameLst>
+                                      </p:cBhvr>
+                                      <p:to>
+                                        <p:strVal val="visible"/>
+                                      </p:to>
+                                    </p:set>
+                                  </p:childTnLst>
+                                </p:cTn>
+                              </p:par>
+                            </p:childTnLst>
+                          </p:cTn>
+                        </p:par>
+                      </p:childTnLst>
+                    </p:cTn>
+                  </p:par>
+                  <p:par>
+                    <p:cTn id="23" fill="hold">
+                      <p:stCondLst>
+                        <p:cond delay="indefinite"/>
+                      </p:stCondLst>
+                      <p:childTnLst>
+                        <p:par>
+                          <p:cTn id="24" fill="hold">
+                            <p:stCondLst>
+                              <p:cond delay="0"/>
+                            </p:stCondLst>
+                            <p:childTnLst>
+                              <p:par>
+                                <p:cTn id="25" presetID="1" presetClass="entr" presetSubtype="0" fill="hold" grpId="0" nodeType="clickEffect">
+                                  <p:stCondLst>
+                                    <p:cond delay="0"/>
+                                  </p:stCondLst>
+                                  <p:childTnLst>
+                                    <p:set>
+                                      <p:cBhvr>
+                                        <p:cTn id="26" dur="1" fill="hold">
+                                          <p:stCondLst>
+                                            <p:cond delay="0"/>
+                                          </p:stCondLst>
+                                        </p:cTn>
+                                        <p:tgtEl>
+                                          <p:spTgt spid="10">
+                                            <p:txEl>
+                                              <p:pRg st="1" end="1"/>
+                                            </p:txEl>
+                                          </p:spTgt>
+                                        </p:tgtEl>
+                                        <p:attrNameLst>
+                                          <p:attrName>style.visibility</p:attrName>
+                                        </p:attrNameLst>
+                                      </p:cBhvr>
+                                      <p:to>
+                                        <p:strVal val="visible"/>
+                                      </p:to>
+                                    </p:set>
+                                  </p:childTnLst>
+                                </p:cTn>
+                              </p:par>
+                            </p:childTnLst>
+                          </p:cTn>
+                        </p:par>
+                      </p:childTnLst>
+                    </p:cTn>
+                  </p:par>
+                  <p:par>
+                    <p:cTn id="27" fill="hold">
+                      <p:stCondLst>
+                        <p:cond delay="indefinite"/>
+                      </p:stCondLst>
+                      <p:childTnLst>
+                        <p:par>
+                          <p:cTn id="28" fill="hold">
+                            <p:stCondLst>
+                              <p:cond delay="0"/>
+                            </p:stCondLst>
+                            <p:childTnLst>
+                              <p:par>
+                                <p:cTn id="29" presetID="1" presetClass="entr" presetSubtype="0" fill="hold" grpId="0" nodeType="clickEffect">
+                                  <p:stCondLst>
+                                    <p:cond delay="0"/>
+                                  </p:stCondLst>
+                                  <p:childTnLst>
+                                    <p:set>
+                                      <p:cBhvr>
+                                        <p:cTn id="30" dur="1" fill="hold">
+                                          <p:stCondLst>
+                                            <p:cond delay="0"/>
+                                          </p:stCondLst>
+                                        </p:cTn>
+                                        <p:tgtEl>
+                                          <p:spTgt spid="10">
+                                            <p:txEl>
+                                              <p:pRg st="2" end="2"/>
+                                            </p:txEl>
+                                          </p:spTgt>
+                                        </p:tgtEl>
+                                        <p:attrNameLst>
+                                          <p:attrName>style.visibility</p:attrName>
+                                        </p:attrNameLst>
+                                      </p:cBhvr>
+                                      <p:to>
+                                        <p:strVal val="visible"/>
+                                      </p:to>
+                                    </p:set>
+                                  </p:childTnLst>
+                                </p:cTn>
+                              </p:par>
+                            </p:childTnLst>
+                          </p:cTn>
+                        </p:par>
+                      </p:childTnLst>
+                    </p:cTn>
+                  </p:par>
+                </p:childTnLst>
+              </p:cTn>
+              <p:prevCondLst>
+                <p:cond evt="onPrev" delay="0">
+                  <p:tgtEl>
+                    <p:sldTgt/>
+                  </p:tgtEl>
+                </p:cond>
+              </p:prevCondLst>
+              <p:nextCondLst>
+                <p:cond evt="onNext" delay="0">
+                  <p:tgtEl>
+                    <p:sldTgt/>
+                  </p:tgtEl>
+                </p:cond>
+              </p:nextCondLst>
+            </p:seq>
+          </p:childTnLst>
+        </p:cTn>
+      </p:par>
+    </p:tnLst>
+    <p:bldLst>
+      <p:bldP spid="9" grpId="0" build="p"/>
+      <p:bldP spid="10" grpId="0" build="p"/>
+    </p:bldLst>
+  </p:timing>
 </p:sld>
 </file>
 
@@ -9554,9 +12068,325 @@
   <p:timing>
     <p:tnLst>
       <p:par>
-        <p:cTn id="1" dur="indefinite" restart="never" nodeType="tmRoot"/>
+        <p:cTn id="1" dur="indefinite" restart="never" nodeType="tmRoot">
+          <p:childTnLst>
+            <p:seq concurrent="1" nextAc="seek">
+              <p:cTn id="2" dur="indefinite" nodeType="mainSeq">
+                <p:childTnLst>
+                  <p:par>
+                    <p:cTn id="3" fill="hold">
+                      <p:stCondLst>
+                        <p:cond delay="indefinite"/>
+                      </p:stCondLst>
+                      <p:childTnLst>
+                        <p:par>
+                          <p:cTn id="4" fill="hold">
+                            <p:stCondLst>
+                              <p:cond delay="0"/>
+                            </p:stCondLst>
+                            <p:childTnLst>
+                              <p:par>
+                                <p:cTn id="5" presetID="1" presetClass="entr" presetSubtype="0" fill="hold" grpId="0" nodeType="clickEffect">
+                                  <p:stCondLst>
+                                    <p:cond delay="0"/>
+                                  </p:stCondLst>
+                                  <p:childTnLst>
+                                    <p:set>
+                                      <p:cBhvr>
+                                        <p:cTn id="6" dur="1" fill="hold">
+                                          <p:stCondLst>
+                                            <p:cond delay="0"/>
+                                          </p:stCondLst>
+                                        </p:cTn>
+                                        <p:tgtEl>
+                                          <p:spTgt spid="8">
+                                            <p:txEl>
+                                              <p:pRg st="0" end="0"/>
+                                            </p:txEl>
+                                          </p:spTgt>
+                                        </p:tgtEl>
+                                        <p:attrNameLst>
+                                          <p:attrName>style.visibility</p:attrName>
+                                        </p:attrNameLst>
+                                      </p:cBhvr>
+                                      <p:to>
+                                        <p:strVal val="visible"/>
+                                      </p:to>
+                                    </p:set>
+                                  </p:childTnLst>
+                                </p:cTn>
+                              </p:par>
+                            </p:childTnLst>
+                          </p:cTn>
+                        </p:par>
+                      </p:childTnLst>
+                    </p:cTn>
+                  </p:par>
+                  <p:par>
+                    <p:cTn id="7" fill="hold">
+                      <p:stCondLst>
+                        <p:cond delay="indefinite"/>
+                      </p:stCondLst>
+                      <p:childTnLst>
+                        <p:par>
+                          <p:cTn id="8" fill="hold">
+                            <p:stCondLst>
+                              <p:cond delay="0"/>
+                            </p:stCondLst>
+                            <p:childTnLst>
+                              <p:par>
+                                <p:cTn id="9" presetID="1" presetClass="entr" presetSubtype="0" fill="hold" grpId="0" nodeType="clickEffect">
+                                  <p:stCondLst>
+                                    <p:cond delay="0"/>
+                                  </p:stCondLst>
+                                  <p:childTnLst>
+                                    <p:set>
+                                      <p:cBhvr>
+                                        <p:cTn id="10" dur="1" fill="hold">
+                                          <p:stCondLst>
+                                            <p:cond delay="0"/>
+                                          </p:stCondLst>
+                                        </p:cTn>
+                                        <p:tgtEl>
+                                          <p:spTgt spid="8">
+                                            <p:txEl>
+                                              <p:pRg st="1" end="1"/>
+                                            </p:txEl>
+                                          </p:spTgt>
+                                        </p:tgtEl>
+                                        <p:attrNameLst>
+                                          <p:attrName>style.visibility</p:attrName>
+                                        </p:attrNameLst>
+                                      </p:cBhvr>
+                                      <p:to>
+                                        <p:strVal val="visible"/>
+                                      </p:to>
+                                    </p:set>
+                                  </p:childTnLst>
+                                </p:cTn>
+                              </p:par>
+                            </p:childTnLst>
+                          </p:cTn>
+                        </p:par>
+                      </p:childTnLst>
+                    </p:cTn>
+                  </p:par>
+                  <p:par>
+                    <p:cTn id="11" fill="hold">
+                      <p:stCondLst>
+                        <p:cond delay="indefinite"/>
+                      </p:stCondLst>
+                      <p:childTnLst>
+                        <p:par>
+                          <p:cTn id="12" fill="hold">
+                            <p:stCondLst>
+                              <p:cond delay="0"/>
+                            </p:stCondLst>
+                            <p:childTnLst>
+                              <p:par>
+                                <p:cTn id="13" presetID="1" presetClass="entr" presetSubtype="0" fill="hold" grpId="0" nodeType="clickEffect">
+                                  <p:stCondLst>
+                                    <p:cond delay="0"/>
+                                  </p:stCondLst>
+                                  <p:childTnLst>
+                                    <p:set>
+                                      <p:cBhvr>
+                                        <p:cTn id="14" dur="1" fill="hold">
+                                          <p:stCondLst>
+                                            <p:cond delay="0"/>
+                                          </p:stCondLst>
+                                        </p:cTn>
+                                        <p:tgtEl>
+                                          <p:spTgt spid="8">
+                                            <p:txEl>
+                                              <p:pRg st="2" end="2"/>
+                                            </p:txEl>
+                                          </p:spTgt>
+                                        </p:tgtEl>
+                                        <p:attrNameLst>
+                                          <p:attrName>style.visibility</p:attrName>
+                                        </p:attrNameLst>
+                                      </p:cBhvr>
+                                      <p:to>
+                                        <p:strVal val="visible"/>
+                                      </p:to>
+                                    </p:set>
+                                  </p:childTnLst>
+                                </p:cTn>
+                              </p:par>
+                            </p:childTnLst>
+                          </p:cTn>
+                        </p:par>
+                      </p:childTnLst>
+                    </p:cTn>
+                  </p:par>
+                  <p:par>
+                    <p:cTn id="15" fill="hold">
+                      <p:stCondLst>
+                        <p:cond delay="indefinite"/>
+                      </p:stCondLst>
+                      <p:childTnLst>
+                        <p:par>
+                          <p:cTn id="16" fill="hold">
+                            <p:stCondLst>
+                              <p:cond delay="0"/>
+                            </p:stCondLst>
+                            <p:childTnLst>
+                              <p:par>
+                                <p:cTn id="17" presetID="1" presetClass="entr" presetSubtype="0" fill="hold" grpId="0" nodeType="clickEffect">
+                                  <p:stCondLst>
+                                    <p:cond delay="0"/>
+                                  </p:stCondLst>
+                                  <p:childTnLst>
+                                    <p:set>
+                                      <p:cBhvr>
+                                        <p:cTn id="18" dur="1" fill="hold">
+                                          <p:stCondLst>
+                                            <p:cond delay="0"/>
+                                          </p:stCondLst>
+                                        </p:cTn>
+                                        <p:tgtEl>
+                                          <p:spTgt spid="8">
+                                            <p:txEl>
+                                              <p:pRg st="3" end="3"/>
+                                            </p:txEl>
+                                          </p:spTgt>
+                                        </p:tgtEl>
+                                        <p:attrNameLst>
+                                          <p:attrName>style.visibility</p:attrName>
+                                        </p:attrNameLst>
+                                      </p:cBhvr>
+                                      <p:to>
+                                        <p:strVal val="visible"/>
+                                      </p:to>
+                                    </p:set>
+                                  </p:childTnLst>
+                                </p:cTn>
+                              </p:par>
+                            </p:childTnLst>
+                          </p:cTn>
+                        </p:par>
+                      </p:childTnLst>
+                    </p:cTn>
+                  </p:par>
+                  <p:par>
+                    <p:cTn id="19" fill="hold">
+                      <p:stCondLst>
+                        <p:cond delay="indefinite"/>
+                      </p:stCondLst>
+                      <p:childTnLst>
+                        <p:par>
+                          <p:cTn id="20" fill="hold">
+                            <p:stCondLst>
+                              <p:cond delay="0"/>
+                            </p:stCondLst>
+                            <p:childTnLst>
+                              <p:par>
+                                <p:cTn id="21" presetID="1" presetClass="entr" presetSubtype="0" fill="hold" grpId="0" nodeType="clickEffect">
+                                  <p:stCondLst>
+                                    <p:cond delay="0"/>
+                                  </p:stCondLst>
+                                  <p:childTnLst>
+                                    <p:set>
+                                      <p:cBhvr>
+                                        <p:cTn id="22" dur="1" fill="hold">
+                                          <p:stCondLst>
+                                            <p:cond delay="0"/>
+                                          </p:stCondLst>
+                                        </p:cTn>
+                                        <p:tgtEl>
+                                          <p:spTgt spid="8">
+                                            <p:txEl>
+                                              <p:pRg st="4" end="4"/>
+                                            </p:txEl>
+                                          </p:spTgt>
+                                        </p:tgtEl>
+                                        <p:attrNameLst>
+                                          <p:attrName>style.visibility</p:attrName>
+                                        </p:attrNameLst>
+                                      </p:cBhvr>
+                                      <p:to>
+                                        <p:strVal val="visible"/>
+                                      </p:to>
+                                    </p:set>
+                                  </p:childTnLst>
+                                </p:cTn>
+                              </p:par>
+                            </p:childTnLst>
+                          </p:cTn>
+                        </p:par>
+                      </p:childTnLst>
+                    </p:cTn>
+                  </p:par>
+                  <p:par>
+                    <p:cTn id="23" fill="hold">
+                      <p:stCondLst>
+                        <p:cond delay="indefinite"/>
+                      </p:stCondLst>
+                      <p:childTnLst>
+                        <p:par>
+                          <p:cTn id="24" fill="hold">
+                            <p:stCondLst>
+                              <p:cond delay="0"/>
+                            </p:stCondLst>
+                            <p:childTnLst>
+                              <p:par>
+                                <p:cTn id="25" presetID="1" presetClass="entr" presetSubtype="0" fill="hold" nodeType="clickEffect">
+                                  <p:stCondLst>
+                                    <p:cond delay="0"/>
+                                  </p:stCondLst>
+                                  <p:childTnLst>
+                                    <p:set>
+                                      <p:cBhvr>
+                                        <p:cTn id="26" dur="1" fill="hold">
+                                          <p:stCondLst>
+                                            <p:cond delay="0"/>
+                                          </p:stCondLst>
+                                        </p:cTn>
+                                        <p:tgtEl>
+                                          <p:spTgt spid="9"/>
+                                        </p:tgtEl>
+                                        <p:attrNameLst>
+                                          <p:attrName>style.visibility</p:attrName>
+                                        </p:attrNameLst>
+                                      </p:cBhvr>
+                                      <p:to>
+                                        <p:strVal val="visible"/>
+                                      </p:to>
+                                    </p:set>
+                                  </p:childTnLst>
+                                </p:cTn>
+                              </p:par>
+                            </p:childTnLst>
+                          </p:cTn>
+                        </p:par>
+                      </p:childTnLst>
+                    </p:cTn>
+                  </p:par>
+                </p:childTnLst>
+              </p:cTn>
+              <p:prevCondLst>
+                <p:cond evt="onPrev" delay="0">
+                  <p:tgtEl>
+                    <p:sldTgt/>
+                  </p:tgtEl>
+                </p:cond>
+              </p:prevCondLst>
+              <p:nextCondLst>
+                <p:cond evt="onNext" delay="0">
+                  <p:tgtEl>
+                    <p:sldTgt/>
+                  </p:tgtEl>
+                </p:cond>
+              </p:nextCondLst>
+            </p:seq>
+          </p:childTnLst>
+        </p:cTn>
       </p:par>
     </p:tnLst>
+    <p:bldLst>
+      <p:bldP spid="8" grpId="0" build="p"/>
+    </p:bldLst>
   </p:timing>
 </p:sld>
 </file>
@@ -9625,7 +12455,15 @@
             <a:pPr lvl="1"/>
             <a:r>
               <a:rPr lang="en-US" dirty="0" smtClean="0"/>
-              <a:t>A high-speed, synchronous serial I/O port that can be used as the speech interface to the audio codec</a:t>
+              <a:t>A high-speed, </a:t>
+            </a:r>
+            <a:r>
+              <a:rPr lang="en-US" i="1" u="sng" dirty="0" smtClean="0"/>
+              <a:t>synchronous serial I/O </a:t>
+            </a:r>
+            <a:r>
+              <a:rPr lang="en-US" dirty="0" smtClean="0"/>
+              <a:t>port that can be used as the speech interface to the audio codec</a:t>
             </a:r>
           </a:p>
           <a:p>
@@ -9991,9 +12829,276 @@
   <p:timing>
     <p:tnLst>
       <p:par>
-        <p:cTn id="1" dur="indefinite" restart="never" nodeType="tmRoot"/>
+        <p:cTn id="1" dur="indefinite" restart="never" nodeType="tmRoot">
+          <p:childTnLst>
+            <p:seq concurrent="1" nextAc="seek">
+              <p:cTn id="2" dur="indefinite" nodeType="mainSeq">
+                <p:childTnLst>
+                  <p:par>
+                    <p:cTn id="3" fill="hold">
+                      <p:stCondLst>
+                        <p:cond delay="indefinite"/>
+                      </p:stCondLst>
+                      <p:childTnLst>
+                        <p:par>
+                          <p:cTn id="4" fill="hold">
+                            <p:stCondLst>
+                              <p:cond delay="0"/>
+                            </p:stCondLst>
+                            <p:childTnLst>
+                              <p:par>
+                                <p:cTn id="5" presetID="1" presetClass="entr" presetSubtype="0" fill="hold" grpId="0" nodeType="clickEffect">
+                                  <p:stCondLst>
+                                    <p:cond delay="0"/>
+                                  </p:stCondLst>
+                                  <p:childTnLst>
+                                    <p:set>
+                                      <p:cBhvr>
+                                        <p:cTn id="6" dur="1" fill="hold">
+                                          <p:stCondLst>
+                                            <p:cond delay="0"/>
+                                          </p:stCondLst>
+                                        </p:cTn>
+                                        <p:tgtEl>
+                                          <p:spTgt spid="3">
+                                            <p:txEl>
+                                              <p:pRg st="0" end="0"/>
+                                            </p:txEl>
+                                          </p:spTgt>
+                                        </p:tgtEl>
+                                        <p:attrNameLst>
+                                          <p:attrName>style.visibility</p:attrName>
+                                        </p:attrNameLst>
+                                      </p:cBhvr>
+                                      <p:to>
+                                        <p:strVal val="visible"/>
+                                      </p:to>
+                                    </p:set>
+                                  </p:childTnLst>
+                                </p:cTn>
+                              </p:par>
+                            </p:childTnLst>
+                          </p:cTn>
+                        </p:par>
+                      </p:childTnLst>
+                    </p:cTn>
+                  </p:par>
+                  <p:par>
+                    <p:cTn id="7" fill="hold">
+                      <p:stCondLst>
+                        <p:cond delay="indefinite"/>
+                      </p:stCondLst>
+                      <p:childTnLst>
+                        <p:par>
+                          <p:cTn id="8" fill="hold">
+                            <p:stCondLst>
+                              <p:cond delay="0"/>
+                            </p:stCondLst>
+                            <p:childTnLst>
+                              <p:par>
+                                <p:cTn id="9" presetID="1" presetClass="entr" presetSubtype="0" fill="hold" grpId="0" nodeType="clickEffect">
+                                  <p:stCondLst>
+                                    <p:cond delay="0"/>
+                                  </p:stCondLst>
+                                  <p:childTnLst>
+                                    <p:set>
+                                      <p:cBhvr>
+                                        <p:cTn id="10" dur="1" fill="hold">
+                                          <p:stCondLst>
+                                            <p:cond delay="0"/>
+                                          </p:stCondLst>
+                                        </p:cTn>
+                                        <p:tgtEl>
+                                          <p:spTgt spid="3">
+                                            <p:txEl>
+                                              <p:pRg st="1" end="1"/>
+                                            </p:txEl>
+                                          </p:spTgt>
+                                        </p:tgtEl>
+                                        <p:attrNameLst>
+                                          <p:attrName>style.visibility</p:attrName>
+                                        </p:attrNameLst>
+                                      </p:cBhvr>
+                                      <p:to>
+                                        <p:strVal val="visible"/>
+                                      </p:to>
+                                    </p:set>
+                                  </p:childTnLst>
+                                </p:cTn>
+                              </p:par>
+                            </p:childTnLst>
+                          </p:cTn>
+                        </p:par>
+                      </p:childTnLst>
+                    </p:cTn>
+                  </p:par>
+                  <p:par>
+                    <p:cTn id="11" fill="hold">
+                      <p:stCondLst>
+                        <p:cond delay="indefinite"/>
+                      </p:stCondLst>
+                      <p:childTnLst>
+                        <p:par>
+                          <p:cTn id="12" fill="hold">
+                            <p:stCondLst>
+                              <p:cond delay="0"/>
+                            </p:stCondLst>
+                            <p:childTnLst>
+                              <p:par>
+                                <p:cTn id="13" presetID="1" presetClass="entr" presetSubtype="0" fill="hold" grpId="0" nodeType="clickEffect">
+                                  <p:stCondLst>
+                                    <p:cond delay="0"/>
+                                  </p:stCondLst>
+                                  <p:childTnLst>
+                                    <p:set>
+                                      <p:cBhvr>
+                                        <p:cTn id="14" dur="1" fill="hold">
+                                          <p:stCondLst>
+                                            <p:cond delay="0"/>
+                                          </p:stCondLst>
+                                        </p:cTn>
+                                        <p:tgtEl>
+                                          <p:spTgt spid="3">
+                                            <p:txEl>
+                                              <p:pRg st="2" end="2"/>
+                                            </p:txEl>
+                                          </p:spTgt>
+                                        </p:tgtEl>
+                                        <p:attrNameLst>
+                                          <p:attrName>style.visibility</p:attrName>
+                                        </p:attrNameLst>
+                                      </p:cBhvr>
+                                      <p:to>
+                                        <p:strVal val="visible"/>
+                                      </p:to>
+                                    </p:set>
+                                  </p:childTnLst>
+                                </p:cTn>
+                              </p:par>
+                            </p:childTnLst>
+                          </p:cTn>
+                        </p:par>
+                      </p:childTnLst>
+                    </p:cTn>
+                  </p:par>
+                  <p:par>
+                    <p:cTn id="15" fill="hold">
+                      <p:stCondLst>
+                        <p:cond delay="indefinite"/>
+                      </p:stCondLst>
+                      <p:childTnLst>
+                        <p:par>
+                          <p:cTn id="16" fill="hold">
+                            <p:stCondLst>
+                              <p:cond delay="0"/>
+                            </p:stCondLst>
+                            <p:childTnLst>
+                              <p:par>
+                                <p:cTn id="17" presetID="1" presetClass="entr" presetSubtype="0" fill="hold" grpId="0" nodeType="clickEffect">
+                                  <p:stCondLst>
+                                    <p:cond delay="0"/>
+                                  </p:stCondLst>
+                                  <p:childTnLst>
+                                    <p:set>
+                                      <p:cBhvr>
+                                        <p:cTn id="18" dur="1" fill="hold">
+                                          <p:stCondLst>
+                                            <p:cond delay="0"/>
+                                          </p:stCondLst>
+                                        </p:cTn>
+                                        <p:tgtEl>
+                                          <p:spTgt spid="3">
+                                            <p:txEl>
+                                              <p:pRg st="3" end="3"/>
+                                            </p:txEl>
+                                          </p:spTgt>
+                                        </p:tgtEl>
+                                        <p:attrNameLst>
+                                          <p:attrName>style.visibility</p:attrName>
+                                        </p:attrNameLst>
+                                      </p:cBhvr>
+                                      <p:to>
+                                        <p:strVal val="visible"/>
+                                      </p:to>
+                                    </p:set>
+                                  </p:childTnLst>
+                                </p:cTn>
+                              </p:par>
+                            </p:childTnLst>
+                          </p:cTn>
+                        </p:par>
+                      </p:childTnLst>
+                    </p:cTn>
+                  </p:par>
+                  <p:par>
+                    <p:cTn id="19" fill="hold">
+                      <p:stCondLst>
+                        <p:cond delay="indefinite"/>
+                      </p:stCondLst>
+                      <p:childTnLst>
+                        <p:par>
+                          <p:cTn id="20" fill="hold">
+                            <p:stCondLst>
+                              <p:cond delay="0"/>
+                            </p:stCondLst>
+                            <p:childTnLst>
+                              <p:par>
+                                <p:cTn id="21" presetID="1" presetClass="entr" presetSubtype="0" fill="hold" nodeType="clickEffect">
+                                  <p:stCondLst>
+                                    <p:cond delay="0"/>
+                                  </p:stCondLst>
+                                  <p:childTnLst>
+                                    <p:set>
+                                      <p:cBhvr>
+                                        <p:cTn id="22" dur="1" fill="hold">
+                                          <p:stCondLst>
+                                            <p:cond delay="0"/>
+                                          </p:stCondLst>
+                                        </p:cTn>
+                                        <p:tgtEl>
+                                          <p:spTgt spid="7"/>
+                                        </p:tgtEl>
+                                        <p:attrNameLst>
+                                          <p:attrName>style.visibility</p:attrName>
+                                        </p:attrNameLst>
+                                      </p:cBhvr>
+                                      <p:to>
+                                        <p:strVal val="visible"/>
+                                      </p:to>
+                                    </p:set>
+                                  </p:childTnLst>
+                                </p:cTn>
+                              </p:par>
+                            </p:childTnLst>
+                          </p:cTn>
+                        </p:par>
+                      </p:childTnLst>
+                    </p:cTn>
+                  </p:par>
+                </p:childTnLst>
+              </p:cTn>
+              <p:prevCondLst>
+                <p:cond evt="onPrev" delay="0">
+                  <p:tgtEl>
+                    <p:sldTgt/>
+                  </p:tgtEl>
+                </p:cond>
+              </p:prevCondLst>
+              <p:nextCondLst>
+                <p:cond evt="onNext" delay="0">
+                  <p:tgtEl>
+                    <p:sldTgt/>
+                  </p:tgtEl>
+                </p:cond>
+              </p:nextCondLst>
+            </p:seq>
+          </p:childTnLst>
+        </p:cTn>
       </p:par>
     </p:tnLst>
+    <p:bldLst>
+      <p:bldP spid="3" grpId="0" build="p"/>
+    </p:bldLst>
   </p:timing>
 </p:sld>
 </file>
@@ -10067,7 +13172,15 @@
             <a:pPr lvl="1"/>
             <a:r>
               <a:rPr lang="en-US" dirty="0" smtClean="0"/>
-              <a:t>A serial interface that supports asynchronous communication of real-time compressed voice data to other asynchronous peripherals</a:t>
+              <a:t>A serial interface that supports </a:t>
+            </a:r>
+            <a:r>
+              <a:rPr lang="en-US" i="1" u="sng" dirty="0" smtClean="0"/>
+              <a:t>asynchronous communication</a:t>
+            </a:r>
+            <a:r>
+              <a:rPr lang="en-US" dirty="0" smtClean="0"/>
+              <a:t> of real-time compressed voice data to other asynchronous peripherals</a:t>
             </a:r>
           </a:p>
           <a:p>
@@ -10341,9 +13454,325 @@
   <p:timing>
     <p:tnLst>
       <p:par>
-        <p:cTn id="1" dur="indefinite" restart="never" nodeType="tmRoot"/>
+        <p:cTn id="1" dur="indefinite" restart="never" nodeType="tmRoot">
+          <p:childTnLst>
+            <p:seq concurrent="1" nextAc="seek">
+              <p:cTn id="2" dur="indefinite" nodeType="mainSeq">
+                <p:childTnLst>
+                  <p:par>
+                    <p:cTn id="3" fill="hold">
+                      <p:stCondLst>
+                        <p:cond delay="indefinite"/>
+                      </p:stCondLst>
+                      <p:childTnLst>
+                        <p:par>
+                          <p:cTn id="4" fill="hold">
+                            <p:stCondLst>
+                              <p:cond delay="0"/>
+                            </p:stCondLst>
+                            <p:childTnLst>
+                              <p:par>
+                                <p:cTn id="5" presetID="1" presetClass="entr" presetSubtype="0" fill="hold" grpId="0" nodeType="clickEffect">
+                                  <p:stCondLst>
+                                    <p:cond delay="0"/>
+                                  </p:stCondLst>
+                                  <p:childTnLst>
+                                    <p:set>
+                                      <p:cBhvr>
+                                        <p:cTn id="6" dur="1" fill="hold">
+                                          <p:stCondLst>
+                                            <p:cond delay="0"/>
+                                          </p:stCondLst>
+                                        </p:cTn>
+                                        <p:tgtEl>
+                                          <p:spTgt spid="3">
+                                            <p:txEl>
+                                              <p:pRg st="0" end="0"/>
+                                            </p:txEl>
+                                          </p:spTgt>
+                                        </p:tgtEl>
+                                        <p:attrNameLst>
+                                          <p:attrName>style.visibility</p:attrName>
+                                        </p:attrNameLst>
+                                      </p:cBhvr>
+                                      <p:to>
+                                        <p:strVal val="visible"/>
+                                      </p:to>
+                                    </p:set>
+                                  </p:childTnLst>
+                                </p:cTn>
+                              </p:par>
+                            </p:childTnLst>
+                          </p:cTn>
+                        </p:par>
+                      </p:childTnLst>
+                    </p:cTn>
+                  </p:par>
+                  <p:par>
+                    <p:cTn id="7" fill="hold">
+                      <p:stCondLst>
+                        <p:cond delay="indefinite"/>
+                      </p:stCondLst>
+                      <p:childTnLst>
+                        <p:par>
+                          <p:cTn id="8" fill="hold">
+                            <p:stCondLst>
+                              <p:cond delay="0"/>
+                            </p:stCondLst>
+                            <p:childTnLst>
+                              <p:par>
+                                <p:cTn id="9" presetID="1" presetClass="entr" presetSubtype="0" fill="hold" grpId="0" nodeType="clickEffect">
+                                  <p:stCondLst>
+                                    <p:cond delay="0"/>
+                                  </p:stCondLst>
+                                  <p:childTnLst>
+                                    <p:set>
+                                      <p:cBhvr>
+                                        <p:cTn id="10" dur="1" fill="hold">
+                                          <p:stCondLst>
+                                            <p:cond delay="0"/>
+                                          </p:stCondLst>
+                                        </p:cTn>
+                                        <p:tgtEl>
+                                          <p:spTgt spid="3">
+                                            <p:txEl>
+                                              <p:pRg st="1" end="1"/>
+                                            </p:txEl>
+                                          </p:spTgt>
+                                        </p:tgtEl>
+                                        <p:attrNameLst>
+                                          <p:attrName>style.visibility</p:attrName>
+                                        </p:attrNameLst>
+                                      </p:cBhvr>
+                                      <p:to>
+                                        <p:strVal val="visible"/>
+                                      </p:to>
+                                    </p:set>
+                                  </p:childTnLst>
+                                </p:cTn>
+                              </p:par>
+                            </p:childTnLst>
+                          </p:cTn>
+                        </p:par>
+                      </p:childTnLst>
+                    </p:cTn>
+                  </p:par>
+                  <p:par>
+                    <p:cTn id="11" fill="hold">
+                      <p:stCondLst>
+                        <p:cond delay="indefinite"/>
+                      </p:stCondLst>
+                      <p:childTnLst>
+                        <p:par>
+                          <p:cTn id="12" fill="hold">
+                            <p:stCondLst>
+                              <p:cond delay="0"/>
+                            </p:stCondLst>
+                            <p:childTnLst>
+                              <p:par>
+                                <p:cTn id="13" presetID="1" presetClass="entr" presetSubtype="0" fill="hold" grpId="0" nodeType="clickEffect">
+                                  <p:stCondLst>
+                                    <p:cond delay="0"/>
+                                  </p:stCondLst>
+                                  <p:childTnLst>
+                                    <p:set>
+                                      <p:cBhvr>
+                                        <p:cTn id="14" dur="1" fill="hold">
+                                          <p:stCondLst>
+                                            <p:cond delay="0"/>
+                                          </p:stCondLst>
+                                        </p:cTn>
+                                        <p:tgtEl>
+                                          <p:spTgt spid="3">
+                                            <p:txEl>
+                                              <p:pRg st="2" end="2"/>
+                                            </p:txEl>
+                                          </p:spTgt>
+                                        </p:tgtEl>
+                                        <p:attrNameLst>
+                                          <p:attrName>style.visibility</p:attrName>
+                                        </p:attrNameLst>
+                                      </p:cBhvr>
+                                      <p:to>
+                                        <p:strVal val="visible"/>
+                                      </p:to>
+                                    </p:set>
+                                  </p:childTnLst>
+                                </p:cTn>
+                              </p:par>
+                            </p:childTnLst>
+                          </p:cTn>
+                        </p:par>
+                      </p:childTnLst>
+                    </p:cTn>
+                  </p:par>
+                  <p:par>
+                    <p:cTn id="15" fill="hold">
+                      <p:stCondLst>
+                        <p:cond delay="indefinite"/>
+                      </p:stCondLst>
+                      <p:childTnLst>
+                        <p:par>
+                          <p:cTn id="16" fill="hold">
+                            <p:stCondLst>
+                              <p:cond delay="0"/>
+                            </p:stCondLst>
+                            <p:childTnLst>
+                              <p:par>
+                                <p:cTn id="17" presetID="1" presetClass="entr" presetSubtype="0" fill="hold" grpId="0" nodeType="clickEffect">
+                                  <p:stCondLst>
+                                    <p:cond delay="0"/>
+                                  </p:stCondLst>
+                                  <p:childTnLst>
+                                    <p:set>
+                                      <p:cBhvr>
+                                        <p:cTn id="18" dur="1" fill="hold">
+                                          <p:stCondLst>
+                                            <p:cond delay="0"/>
+                                          </p:stCondLst>
+                                        </p:cTn>
+                                        <p:tgtEl>
+                                          <p:spTgt spid="3">
+                                            <p:txEl>
+                                              <p:pRg st="3" end="3"/>
+                                            </p:txEl>
+                                          </p:spTgt>
+                                        </p:tgtEl>
+                                        <p:attrNameLst>
+                                          <p:attrName>style.visibility</p:attrName>
+                                        </p:attrNameLst>
+                                      </p:cBhvr>
+                                      <p:to>
+                                        <p:strVal val="visible"/>
+                                      </p:to>
+                                    </p:set>
+                                  </p:childTnLst>
+                                </p:cTn>
+                              </p:par>
+                            </p:childTnLst>
+                          </p:cTn>
+                        </p:par>
+                      </p:childTnLst>
+                    </p:cTn>
+                  </p:par>
+                  <p:par>
+                    <p:cTn id="19" fill="hold">
+                      <p:stCondLst>
+                        <p:cond delay="indefinite"/>
+                      </p:stCondLst>
+                      <p:childTnLst>
+                        <p:par>
+                          <p:cTn id="20" fill="hold">
+                            <p:stCondLst>
+                              <p:cond delay="0"/>
+                            </p:stCondLst>
+                            <p:childTnLst>
+                              <p:par>
+                                <p:cTn id="21" presetID="1" presetClass="entr" presetSubtype="0" fill="hold" grpId="0" nodeType="clickEffect">
+                                  <p:stCondLst>
+                                    <p:cond delay="0"/>
+                                  </p:stCondLst>
+                                  <p:childTnLst>
+                                    <p:set>
+                                      <p:cBhvr>
+                                        <p:cTn id="22" dur="1" fill="hold">
+                                          <p:stCondLst>
+                                            <p:cond delay="0"/>
+                                          </p:stCondLst>
+                                        </p:cTn>
+                                        <p:tgtEl>
+                                          <p:spTgt spid="3">
+                                            <p:txEl>
+                                              <p:pRg st="4" end="4"/>
+                                            </p:txEl>
+                                          </p:spTgt>
+                                        </p:tgtEl>
+                                        <p:attrNameLst>
+                                          <p:attrName>style.visibility</p:attrName>
+                                        </p:attrNameLst>
+                                      </p:cBhvr>
+                                      <p:to>
+                                        <p:strVal val="visible"/>
+                                      </p:to>
+                                    </p:set>
+                                  </p:childTnLst>
+                                </p:cTn>
+                              </p:par>
+                            </p:childTnLst>
+                          </p:cTn>
+                        </p:par>
+                      </p:childTnLst>
+                    </p:cTn>
+                  </p:par>
+                  <p:par>
+                    <p:cTn id="23" fill="hold">
+                      <p:stCondLst>
+                        <p:cond delay="indefinite"/>
+                      </p:stCondLst>
+                      <p:childTnLst>
+                        <p:par>
+                          <p:cTn id="24" fill="hold">
+                            <p:stCondLst>
+                              <p:cond delay="0"/>
+                            </p:stCondLst>
+                            <p:childTnLst>
+                              <p:par>
+                                <p:cTn id="25" presetID="1" presetClass="entr" presetSubtype="0" fill="hold" nodeType="clickEffect">
+                                  <p:stCondLst>
+                                    <p:cond delay="0"/>
+                                  </p:stCondLst>
+                                  <p:childTnLst>
+                                    <p:set>
+                                      <p:cBhvr>
+                                        <p:cTn id="26" dur="1" fill="hold">
+                                          <p:stCondLst>
+                                            <p:cond delay="0"/>
+                                          </p:stCondLst>
+                                        </p:cTn>
+                                        <p:tgtEl>
+                                          <p:spTgt spid="7"/>
+                                        </p:tgtEl>
+                                        <p:attrNameLst>
+                                          <p:attrName>style.visibility</p:attrName>
+                                        </p:attrNameLst>
+                                      </p:cBhvr>
+                                      <p:to>
+                                        <p:strVal val="visible"/>
+                                      </p:to>
+                                    </p:set>
+                                  </p:childTnLst>
+                                </p:cTn>
+                              </p:par>
+                            </p:childTnLst>
+                          </p:cTn>
+                        </p:par>
+                      </p:childTnLst>
+                    </p:cTn>
+                  </p:par>
+                </p:childTnLst>
+              </p:cTn>
+              <p:prevCondLst>
+                <p:cond evt="onPrev" delay="0">
+                  <p:tgtEl>
+                    <p:sldTgt/>
+                  </p:tgtEl>
+                </p:cond>
+              </p:prevCondLst>
+              <p:nextCondLst>
+                <p:cond evt="onNext" delay="0">
+                  <p:tgtEl>
+                    <p:sldTgt/>
+                  </p:tgtEl>
+                </p:cond>
+              </p:nextCondLst>
+            </p:seq>
+          </p:childTnLst>
+        </p:cTn>
       </p:par>
     </p:tnLst>
+    <p:bldLst>
+      <p:bldP spid="3" grpId="0" build="p"/>
+    </p:bldLst>
   </p:timing>
 </p:sld>
 </file>
